--- a/Documentation/Presentation.pptx
+++ b/Documentation/Presentation.pptx
@@ -12,8 +12,8 @@
     <p:sldId id="266" r:id="rId6"/>
     <p:sldId id="260" r:id="rId7"/>
     <p:sldId id="261" r:id="rId8"/>
-    <p:sldId id="262" r:id="rId9"/>
-    <p:sldId id="263" r:id="rId10"/>
+    <p:sldId id="263" r:id="rId9"/>
+    <p:sldId id="262" r:id="rId10"/>
     <p:sldId id="264" r:id="rId11"/>
     <p:sldId id="265" r:id="rId12"/>
   </p:sldIdLst>
@@ -114,6 +114,11 @@
       </a:defRPr>
     </a:lvl9pPr>
   </p:defaultTextStyle>
+  <p:extLst>
+    <p:ext uri="{EFAFB233-063F-42B5-8137-9DF3F51BA10A}">
+      <p15:sldGuideLst xmlns:p15="http://schemas.microsoft.com/office/powerpoint/2012/main"/>
+    </p:ext>
+  </p:extLst>
 </p:presentation>
 </file>
 
@@ -266,7 +271,7 @@
           <a:p>
             <a:fld id="{CAEEAA78-B420-4734-928C-60769C275041}" type="datetimeFigureOut">
               <a:rPr lang="en-IN" smtClean="0"/>
-              <a:t>16-05-2024</a:t>
+              <a:t>18-05-2024</a:t>
             </a:fld>
             <a:endParaRPr lang="en-IN"/>
           </a:p>
@@ -466,7 +471,7 @@
           <a:p>
             <a:fld id="{CAEEAA78-B420-4734-928C-60769C275041}" type="datetimeFigureOut">
               <a:rPr lang="en-IN" smtClean="0"/>
-              <a:t>16-05-2024</a:t>
+              <a:t>18-05-2024</a:t>
             </a:fld>
             <a:endParaRPr lang="en-IN"/>
           </a:p>
@@ -676,7 +681,7 @@
           <a:p>
             <a:fld id="{CAEEAA78-B420-4734-928C-60769C275041}" type="datetimeFigureOut">
               <a:rPr lang="en-IN" smtClean="0"/>
-              <a:t>16-05-2024</a:t>
+              <a:t>18-05-2024</a:t>
             </a:fld>
             <a:endParaRPr lang="en-IN"/>
           </a:p>
@@ -876,7 +881,7 @@
           <a:p>
             <a:fld id="{CAEEAA78-B420-4734-928C-60769C275041}" type="datetimeFigureOut">
               <a:rPr lang="en-IN" smtClean="0"/>
-              <a:t>16-05-2024</a:t>
+              <a:t>18-05-2024</a:t>
             </a:fld>
             <a:endParaRPr lang="en-IN"/>
           </a:p>
@@ -1152,7 +1157,7 @@
           <a:p>
             <a:fld id="{CAEEAA78-B420-4734-928C-60769C275041}" type="datetimeFigureOut">
               <a:rPr lang="en-IN" smtClean="0"/>
-              <a:t>16-05-2024</a:t>
+              <a:t>18-05-2024</a:t>
             </a:fld>
             <a:endParaRPr lang="en-IN"/>
           </a:p>
@@ -1420,7 +1425,7 @@
           <a:p>
             <a:fld id="{CAEEAA78-B420-4734-928C-60769C275041}" type="datetimeFigureOut">
               <a:rPr lang="en-IN" smtClean="0"/>
-              <a:t>16-05-2024</a:t>
+              <a:t>18-05-2024</a:t>
             </a:fld>
             <a:endParaRPr lang="en-IN"/>
           </a:p>
@@ -1835,7 +1840,7 @@
           <a:p>
             <a:fld id="{CAEEAA78-B420-4734-928C-60769C275041}" type="datetimeFigureOut">
               <a:rPr lang="en-IN" smtClean="0"/>
-              <a:t>16-05-2024</a:t>
+              <a:t>18-05-2024</a:t>
             </a:fld>
             <a:endParaRPr lang="en-IN"/>
           </a:p>
@@ -1977,7 +1982,7 @@
           <a:p>
             <a:fld id="{CAEEAA78-B420-4734-928C-60769C275041}" type="datetimeFigureOut">
               <a:rPr lang="en-IN" smtClean="0"/>
-              <a:t>16-05-2024</a:t>
+              <a:t>18-05-2024</a:t>
             </a:fld>
             <a:endParaRPr lang="en-IN"/>
           </a:p>
@@ -2090,7 +2095,7 @@
           <a:p>
             <a:fld id="{CAEEAA78-B420-4734-928C-60769C275041}" type="datetimeFigureOut">
               <a:rPr lang="en-IN" smtClean="0"/>
-              <a:t>16-05-2024</a:t>
+              <a:t>18-05-2024</a:t>
             </a:fld>
             <a:endParaRPr lang="en-IN"/>
           </a:p>
@@ -2403,7 +2408,7 @@
           <a:p>
             <a:fld id="{CAEEAA78-B420-4734-928C-60769C275041}" type="datetimeFigureOut">
               <a:rPr lang="en-IN" smtClean="0"/>
-              <a:t>16-05-2024</a:t>
+              <a:t>18-05-2024</a:t>
             </a:fld>
             <a:endParaRPr lang="en-IN"/>
           </a:p>
@@ -2692,7 +2697,7 @@
           <a:p>
             <a:fld id="{CAEEAA78-B420-4734-928C-60769C275041}" type="datetimeFigureOut">
               <a:rPr lang="en-IN" smtClean="0"/>
-              <a:t>16-05-2024</a:t>
+              <a:t>18-05-2024</a:t>
             </a:fld>
             <a:endParaRPr lang="en-IN"/>
           </a:p>
@@ -2935,7 +2940,7 @@
           <a:p>
             <a:fld id="{CAEEAA78-B420-4734-928C-60769C275041}" type="datetimeFigureOut">
               <a:rPr lang="en-IN" smtClean="0"/>
-              <a:t>16-05-2024</a:t>
+              <a:t>18-05-2024</a:t>
             </a:fld>
             <a:endParaRPr lang="en-IN"/>
           </a:p>
@@ -3377,6 +3382,10 @@
               <a:rPr lang="en-US" dirty="0" err="1"/>
               <a:t>GetiT</a:t>
             </a:r>
+            <a:r>
+              <a:rPr lang="en-US" dirty="0"/>
+              <a:t> Mart</a:t>
+            </a:r>
             <a:endParaRPr lang="en-IN" dirty="0"/>
           </a:p>
         </p:txBody>
@@ -3466,7 +3475,7 @@
       </p:sp>
       <p:sp>
         <p:nvSpPr>
-          <p:cNvPr id="3" name="Content Placeholder 2">
+          <p:cNvPr id="4" name="Content Placeholder 2">
             <a:extLst>
               <a:ext uri="{FF2B5EF4-FFF2-40B4-BE49-F238E27FC236}">
                 <a16:creationId xmlns:a16="http://schemas.microsoft.com/office/drawing/2014/main" id="{7BBAA237-CAC3-2F76-976C-51EABF32D6C5}"/>
@@ -3480,11 +3489,96 @@
             <p:ph idx="1"/>
           </p:nvPr>
         </p:nvSpPr>
-        <p:spPr/>
-        <p:txBody>
-          <a:bodyPr/>
-          <a:lstStyle/>
-          <a:p>
+        <p:spPr>
+          <a:xfrm>
+            <a:off x="838200" y="1825625"/>
+            <a:ext cx="10515600" cy="4351338"/>
+          </a:xfrm>
+        </p:spPr>
+        <p:txBody>
+          <a:bodyPr>
+            <a:normAutofit fontScale="92500" lnSpcReduction="10000"/>
+          </a:bodyPr>
+          <a:lstStyle/>
+          <a:p>
+            <a:r>
+              <a:rPr lang="en-US" b="0" i="0" dirty="0" err="1">
+                <a:solidFill>
+                  <a:srgbClr val="1F1F1F"/>
+                </a:solidFill>
+                <a:effectLst/>
+                <a:highlight>
+                  <a:srgbClr val="FFFFFF"/>
+                </a:highlight>
+                <a:latin typeface="Google Sans"/>
+              </a:rPr>
+              <a:t>GetiT</a:t>
+            </a:r>
+            <a:r>
+              <a:rPr lang="en-US" b="0" i="0" dirty="0">
+                <a:solidFill>
+                  <a:srgbClr val="1F1F1F"/>
+                </a:solidFill>
+                <a:effectLst/>
+                <a:highlight>
+                  <a:srgbClr val="FFFFFF"/>
+                </a:highlight>
+                <a:latin typeface="Google Sans"/>
+              </a:rPr>
+              <a:t> online marketplace transcends the limitations of physical stores, offering businesses a wider reach, enhanced customer experience, and streamlined operations. The secure and scalable MERN stack architecture with socket integration lays a solid foundation for future growth. By implementing advanced features like chatbots, live support, and data analytics dashboards, </a:t>
+            </a:r>
+            <a:r>
+              <a:rPr lang="en-US" b="0" i="0" dirty="0" err="1">
+                <a:solidFill>
+                  <a:srgbClr val="1F1F1F"/>
+                </a:solidFill>
+                <a:effectLst/>
+                <a:highlight>
+                  <a:srgbClr val="FFFFFF"/>
+                </a:highlight>
+                <a:latin typeface="Google Sans"/>
+              </a:rPr>
+              <a:t>GetiT</a:t>
+            </a:r>
+            <a:r>
+              <a:rPr lang="en-US" b="0" i="0" dirty="0">
+                <a:solidFill>
+                  <a:srgbClr val="1F1F1F"/>
+                </a:solidFill>
+                <a:effectLst/>
+                <a:highlight>
+                  <a:srgbClr val="FFFFFF"/>
+                </a:highlight>
+                <a:latin typeface="Google Sans"/>
+              </a:rPr>
+              <a:t> can empower businesses with real-time customer insights and data-driven decision making. Additionally, integrations with 3PL (Third-Party Logistics) providers can optimize order fulfillment, further enhancing customer satisfaction. Through continuous innovation in functionality and integration, </a:t>
+            </a:r>
+            <a:r>
+              <a:rPr lang="en-US" b="0" i="0" dirty="0" err="1">
+                <a:solidFill>
+                  <a:srgbClr val="1F1F1F"/>
+                </a:solidFill>
+                <a:effectLst/>
+                <a:highlight>
+                  <a:srgbClr val="FFFFFF"/>
+                </a:highlight>
+                <a:latin typeface="Google Sans"/>
+              </a:rPr>
+              <a:t>GetiT</a:t>
+            </a:r>
+            <a:r>
+              <a:rPr lang="en-US" b="0" i="0" dirty="0">
+                <a:solidFill>
+                  <a:srgbClr val="1F1F1F"/>
+                </a:solidFill>
+                <a:effectLst/>
+                <a:highlight>
+                  <a:srgbClr val="FFFFFF"/>
+                </a:highlight>
+                <a:latin typeface="Google Sans"/>
+              </a:rPr>
+              <a:t> has the potential to become a thriving online marketplace, empowering businesses and delighting customers.</a:t>
+            </a:r>
             <a:endParaRPr lang="en-IN" dirty="0"/>
           </a:p>
         </p:txBody>
@@ -3717,26 +3811,207 @@
       </p:sp>
       <p:sp>
         <p:nvSpPr>
-          <p:cNvPr id="3" name="Content Placeholder 2">
-            <a:extLst>
-              <a:ext uri="{FF2B5EF4-FFF2-40B4-BE49-F238E27FC236}">
-                <a16:creationId xmlns:a16="http://schemas.microsoft.com/office/drawing/2014/main" id="{C90A0ABB-30E7-3132-D5B8-248DE8EEA147}"/>
-              </a:ext>
-            </a:extLst>
-          </p:cNvPr>
-          <p:cNvSpPr>
-            <a:spLocks noGrp="1"/>
+          <p:cNvPr id="5" name="Rectangle 2">
+            <a:extLst>
+              <a:ext uri="{FF2B5EF4-FFF2-40B4-BE49-F238E27FC236}">
+                <a16:creationId xmlns:a16="http://schemas.microsoft.com/office/drawing/2014/main" id="{3D3C31F6-6C7B-B2B5-A228-A521755236D4}"/>
+              </a:ext>
+            </a:extLst>
+          </p:cNvPr>
+          <p:cNvSpPr>
+            <a:spLocks noGrp="1" noChangeArrowheads="1"/>
           </p:cNvSpPr>
           <p:nvPr>
             <p:ph idx="1"/>
           </p:nvPr>
         </p:nvSpPr>
-        <p:spPr/>
-        <p:txBody>
-          <a:bodyPr/>
-          <a:lstStyle/>
-          <a:p>
-            <a:endParaRPr lang="en-IN"/>
+        <p:spPr bwMode="auto">
+          <a:xfrm>
+            <a:off x="838200" y="3401130"/>
+            <a:ext cx="34579082" cy="1200329"/>
+          </a:xfrm>
+          <a:prstGeom prst="rect">
+            <a:avLst/>
+          </a:prstGeom>
+          <a:noFill/>
+          <a:ln>
+            <a:noFill/>
+          </a:ln>
+          <a:effectLst/>
+          <a:extLst>
+            <a:ext uri="{909E8E84-426E-40DD-AFC4-6F175D3DCCD1}">
+              <a14:hiddenFill xmlns:a14="http://schemas.microsoft.com/office/drawing/2010/main">
+                <a:solidFill>
+                  <a:schemeClr val="accent1"/>
+                </a:solidFill>
+              </a14:hiddenFill>
+            </a:ext>
+            <a:ext uri="{91240B29-F687-4F45-9708-019B960494DF}">
+              <a14:hiddenLine xmlns:a14="http://schemas.microsoft.com/office/drawing/2010/main" w="9525">
+                <a:solidFill>
+                  <a:schemeClr val="tx1"/>
+                </a:solidFill>
+                <a:miter lim="800000"/>
+                <a:headEnd/>
+                <a:tailEnd/>
+              </a14:hiddenLine>
+            </a:ext>
+            <a:ext uri="{AF507438-7753-43E0-B8FC-AC1667EBCBE1}">
+              <a14:hiddenEffects xmlns:a14="http://schemas.microsoft.com/office/drawing/2010/main">
+                <a:effectLst>
+                  <a:outerShdw dist="35921" dir="2700000" algn="ctr" rotWithShape="0">
+                    <a:schemeClr val="bg2"/>
+                  </a:outerShdw>
+                </a:effectLst>
+              </a14:hiddenEffects>
+            </a:ext>
+          </a:extLst>
+        </p:spPr>
+        <p:txBody>
+          <a:bodyPr vert="horz" wrap="none" lIns="91440" tIns="45720" rIns="91440" bIns="45720" numCol="1" anchor="ctr" anchorCtr="0" compatLnSpc="1">
+            <a:prstTxWarp prst="textNoShape">
+              <a:avLst/>
+            </a:prstTxWarp>
+            <a:spAutoFit/>
+          </a:bodyPr>
+          <a:lstStyle/>
+          <a:p>
+            <a:pPr marL="0" marR="0" lvl="0" indent="0" algn="l" defTabSz="914400" rtl="0" eaLnBrk="0" fontAlgn="base" latinLnBrk="0" hangingPunct="0">
+              <a:lnSpc>
+                <a:spcPct val="100000"/>
+              </a:lnSpc>
+              <a:spcBef>
+                <a:spcPct val="0"/>
+              </a:spcBef>
+              <a:spcAft>
+                <a:spcPct val="0"/>
+              </a:spcAft>
+              <a:buClrTx/>
+              <a:buSzTx/>
+              <a:buFontTx/>
+              <a:buNone/>
+              <a:tabLst/>
+            </a:pPr>
+            <a:r>
+              <a:rPr kumimoji="0" lang="en-US" altLang="en-US" sz="1800" b="0" i="0" u="none" strike="noStrike" cap="none" normalizeH="0" baseline="0" dirty="0" err="1">
+                <a:ln>
+                  <a:noFill/>
+                </a:ln>
+                <a:solidFill>
+                  <a:schemeClr val="tx1"/>
+                </a:solidFill>
+                <a:effectLst/>
+                <a:latin typeface="Arial" panose="020B0604020202020204" pitchFamily="34" charset="0"/>
+              </a:rPr>
+              <a:t>GetiT</a:t>
+            </a:r>
+            <a:r>
+              <a:rPr kumimoji="0" lang="en-US" altLang="en-US" sz="1800" b="0" i="0" u="none" strike="noStrike" cap="none" normalizeH="0" baseline="0" dirty="0">
+                <a:ln>
+                  <a:noFill/>
+                </a:ln>
+                <a:solidFill>
+                  <a:schemeClr val="tx1"/>
+                </a:solidFill>
+                <a:effectLst/>
+                <a:latin typeface="Arial" panose="020B0604020202020204" pitchFamily="34" charset="0"/>
+              </a:rPr>
+              <a:t>, your all-in-one e-commerce solution, empowers businesses to expand reach, streamline operations, and boost profits. This MERN stack app offers a seamless shopping experience for customers while centralizing management and unlocking growth potential for businesses. Join the </a:t>
+            </a:r>
+            <a:r>
+              <a:rPr kumimoji="0" lang="en-US" altLang="en-US" sz="1800" b="0" i="0" u="none" strike="noStrike" cap="none" normalizeH="0" baseline="0" dirty="0" err="1">
+                <a:ln>
+                  <a:noFill/>
+                </a:ln>
+                <a:solidFill>
+                  <a:schemeClr val="tx1"/>
+                </a:solidFill>
+                <a:effectLst/>
+                <a:latin typeface="Arial" panose="020B0604020202020204" pitchFamily="34" charset="0"/>
+              </a:rPr>
+              <a:t>GetiT</a:t>
+            </a:r>
+            <a:r>
+              <a:rPr kumimoji="0" lang="en-US" altLang="en-US" sz="1800" b="0" i="0" u="none" strike="noStrike" cap="none" normalizeH="0" baseline="0" dirty="0">
+                <a:ln>
+                  <a:noFill/>
+                </a:ln>
+                <a:solidFill>
+                  <a:schemeClr val="tx1"/>
+                </a:solidFill>
+                <a:effectLst/>
+                <a:latin typeface="Arial" panose="020B0604020202020204" pitchFamily="34" charset="0"/>
+              </a:rPr>
+              <a:t> revolution and watch your business thrive!</a:t>
+            </a:r>
+          </a:p>
+          <a:p>
+            <a:pPr marL="0" marR="0" lvl="0" indent="0" algn="l" defTabSz="914400" rtl="0" eaLnBrk="0" fontAlgn="base" latinLnBrk="0" hangingPunct="0">
+              <a:lnSpc>
+                <a:spcPct val="100000"/>
+              </a:lnSpc>
+              <a:spcBef>
+                <a:spcPct val="0"/>
+              </a:spcBef>
+              <a:spcAft>
+                <a:spcPct val="0"/>
+              </a:spcAft>
+              <a:buClrTx/>
+              <a:buSzTx/>
+              <a:buFontTx/>
+              <a:buNone/>
+              <a:tabLst/>
+            </a:pPr>
+            <a:br>
+              <a:rPr kumimoji="0" lang="en-US" altLang="en-US" sz="1800" b="0" i="0" u="none" strike="noStrike" cap="none" normalizeH="0" baseline="0" dirty="0">
+                <a:ln>
+                  <a:noFill/>
+                </a:ln>
+                <a:solidFill>
+                  <a:schemeClr val="tx1"/>
+                </a:solidFill>
+                <a:effectLst/>
+                <a:latin typeface="Arial" panose="020B0604020202020204" pitchFamily="34" charset="0"/>
+              </a:rPr>
+            </a:br>
+            <a:endParaRPr kumimoji="0" lang="en-US" altLang="en-US" sz="1800" b="0" i="0" u="none" strike="noStrike" cap="none" normalizeH="0" baseline="0" dirty="0">
+              <a:ln>
+                <a:noFill/>
+              </a:ln>
+              <a:solidFill>
+                <a:schemeClr val="tx1"/>
+              </a:solidFill>
+              <a:effectLst/>
+              <a:latin typeface="Arial" panose="020B0604020202020204" pitchFamily="34" charset="0"/>
+            </a:endParaRPr>
+          </a:p>
+          <a:p>
+            <a:pPr marL="0" marR="0" lvl="0" indent="0" algn="l" defTabSz="914400" rtl="0" eaLnBrk="0" fontAlgn="base" latinLnBrk="0" hangingPunct="0">
+              <a:lnSpc>
+                <a:spcPct val="100000"/>
+              </a:lnSpc>
+              <a:spcBef>
+                <a:spcPct val="0"/>
+              </a:spcBef>
+              <a:spcAft>
+                <a:spcPct val="0"/>
+              </a:spcAft>
+              <a:buClrTx/>
+              <a:buSzTx/>
+              <a:buFontTx/>
+              <a:buNone/>
+              <a:tabLst/>
+            </a:pPr>
+            <a:endParaRPr kumimoji="0" lang="en-US" altLang="en-US" sz="1800" b="0" i="0" u="none" strike="noStrike" cap="none" normalizeH="0" baseline="0" dirty="0">
+              <a:ln>
+                <a:noFill/>
+              </a:ln>
+              <a:solidFill>
+                <a:schemeClr val="tx1"/>
+              </a:solidFill>
+              <a:effectLst/>
+              <a:latin typeface="Arial" panose="020B0604020202020204" pitchFamily="34" charset="0"/>
+            </a:endParaRPr>
           </a:p>
         </p:txBody>
       </p:sp>
@@ -3800,28 +4075,297 @@
       </p:sp>
       <p:sp>
         <p:nvSpPr>
-          <p:cNvPr id="3" name="Content Placeholder 2">
-            <a:extLst>
-              <a:ext uri="{FF2B5EF4-FFF2-40B4-BE49-F238E27FC236}">
-                <a16:creationId xmlns:a16="http://schemas.microsoft.com/office/drawing/2014/main" id="{5E150A86-C0BA-1ED8-C4EB-0EBE8019B644}"/>
-              </a:ext>
-            </a:extLst>
-          </p:cNvPr>
-          <p:cNvSpPr>
-            <a:spLocks noGrp="1"/>
-          </p:cNvSpPr>
-          <p:nvPr>
-            <p:ph idx="1"/>
-          </p:nvPr>
-        </p:nvSpPr>
-        <p:spPr/>
-        <p:txBody>
-          <a:bodyPr>
-            <a:normAutofit/>
+          <p:cNvPr id="11" name="TextBox 10">
+            <a:extLst>
+              <a:ext uri="{FF2B5EF4-FFF2-40B4-BE49-F238E27FC236}">
+                <a16:creationId xmlns:a16="http://schemas.microsoft.com/office/drawing/2014/main" id="{E6E9AFF0-AF39-48C6-AEF8-E31D9C784A16}"/>
+              </a:ext>
+            </a:extLst>
+          </p:cNvPr>
+          <p:cNvSpPr txBox="1"/>
+          <p:nvPr/>
+        </p:nvSpPr>
+        <p:spPr>
+          <a:xfrm>
+            <a:off x="838200" y="1530220"/>
+            <a:ext cx="10442510" cy="4454809"/>
+          </a:xfrm>
+          <a:prstGeom prst="rect">
+            <a:avLst/>
+          </a:prstGeom>
+          <a:noFill/>
+        </p:spPr>
+        <p:txBody>
+          <a:bodyPr wrap="square">
+            <a:spAutoFit/>
           </a:bodyPr>
           <a:lstStyle/>
           <a:p>
-            <a:endParaRPr lang="en-IN" dirty="0"/>
+            <a:pPr marL="342900" lvl="0" indent="-342900">
+              <a:lnSpc>
+                <a:spcPct val="107000"/>
+              </a:lnSpc>
+              <a:spcAft>
+                <a:spcPts val="800"/>
+              </a:spcAft>
+              <a:buFont typeface="+mj-lt"/>
+              <a:buAutoNum type="arabicPeriod"/>
+            </a:pPr>
+            <a:r>
+              <a:rPr lang="en-IN" sz="1800" b="1" dirty="0">
+                <a:effectLst/>
+                <a:latin typeface="Times New Roman" panose="02020603050405020304" pitchFamily="18" charset="0"/>
+                <a:ea typeface="Times New Roman" panose="02020603050405020304" pitchFamily="18" charset="0"/>
+                <a:cs typeface="Times New Roman" panose="02020603050405020304" pitchFamily="18" charset="0"/>
+              </a:rPr>
+              <a:t>Limited Customer Reach:</a:t>
+            </a:r>
+            <a:endParaRPr lang="en-IN" sz="1400" dirty="0">
+              <a:effectLst/>
+              <a:latin typeface="Calibri" panose="020F0502020204030204" pitchFamily="34" charset="0"/>
+              <a:ea typeface="Calibri" panose="020F0502020204030204" pitchFamily="34" charset="0"/>
+              <a:cs typeface="Times New Roman" panose="02020603050405020304" pitchFamily="18" charset="0"/>
+            </a:endParaRPr>
+          </a:p>
+          <a:p>
+            <a:pPr marL="342900" lvl="0" indent="-342900">
+              <a:lnSpc>
+                <a:spcPct val="107000"/>
+              </a:lnSpc>
+              <a:spcAft>
+                <a:spcPts val="800"/>
+              </a:spcAft>
+              <a:buSzPts val="1000"/>
+              <a:buFont typeface="Symbol" panose="05050102010706020507" pitchFamily="18" charset="2"/>
+              <a:buChar char=""/>
+              <a:tabLst>
+                <a:tab pos="678815" algn="l"/>
+              </a:tabLst>
+            </a:pPr>
+            <a:r>
+              <a:rPr lang="en-IN" sz="1800" dirty="0">
+                <a:effectLst/>
+                <a:latin typeface="Times New Roman" panose="02020603050405020304" pitchFamily="18" charset="0"/>
+                <a:ea typeface="Times New Roman" panose="02020603050405020304" pitchFamily="18" charset="0"/>
+                <a:cs typeface="Times New Roman" panose="02020603050405020304" pitchFamily="18" charset="0"/>
+              </a:rPr>
+              <a:t>The client's current business model relies solely on physical stores, restricting customer reach to the immediate geographic location.</a:t>
+            </a:r>
+            <a:endParaRPr lang="en-IN" sz="1400" dirty="0">
+              <a:effectLst/>
+              <a:latin typeface="Calibri" panose="020F0502020204030204" pitchFamily="34" charset="0"/>
+              <a:ea typeface="Calibri" panose="020F0502020204030204" pitchFamily="34" charset="0"/>
+              <a:cs typeface="Times New Roman" panose="02020603050405020304" pitchFamily="18" charset="0"/>
+            </a:endParaRPr>
+          </a:p>
+          <a:p>
+            <a:pPr marL="342900" lvl="0" indent="-342900">
+              <a:lnSpc>
+                <a:spcPct val="107000"/>
+              </a:lnSpc>
+              <a:spcAft>
+                <a:spcPts val="800"/>
+              </a:spcAft>
+              <a:buSzPts val="1000"/>
+              <a:buFont typeface="Symbol" panose="05050102010706020507" pitchFamily="18" charset="2"/>
+              <a:buChar char=""/>
+              <a:tabLst>
+                <a:tab pos="678815" algn="l"/>
+              </a:tabLst>
+            </a:pPr>
+            <a:r>
+              <a:rPr lang="en-IN" sz="1800" dirty="0">
+                <a:effectLst/>
+                <a:latin typeface="Times New Roman" panose="02020603050405020304" pitchFamily="18" charset="0"/>
+                <a:ea typeface="Times New Roman" panose="02020603050405020304" pitchFamily="18" charset="0"/>
+                <a:cs typeface="Times New Roman" panose="02020603050405020304" pitchFamily="18" charset="0"/>
+              </a:rPr>
+              <a:t>This hinders the potential for growth and expansion into new markets.</a:t>
+            </a:r>
+            <a:endParaRPr lang="en-IN" sz="1400" dirty="0">
+              <a:effectLst/>
+              <a:latin typeface="Calibri" panose="020F0502020204030204" pitchFamily="34" charset="0"/>
+              <a:ea typeface="Calibri" panose="020F0502020204030204" pitchFamily="34" charset="0"/>
+              <a:cs typeface="Times New Roman" panose="02020603050405020304" pitchFamily="18" charset="0"/>
+            </a:endParaRPr>
+          </a:p>
+          <a:p>
+            <a:pPr marL="342900" lvl="0" indent="-342900">
+              <a:lnSpc>
+                <a:spcPct val="107000"/>
+              </a:lnSpc>
+              <a:spcAft>
+                <a:spcPts val="800"/>
+              </a:spcAft>
+              <a:buFont typeface="+mj-lt"/>
+              <a:buAutoNum type="arabicPeriod"/>
+            </a:pPr>
+            <a:r>
+              <a:rPr lang="en-IN" sz="1800" b="1" dirty="0">
+                <a:effectLst/>
+                <a:latin typeface="Times New Roman" panose="02020603050405020304" pitchFamily="18" charset="0"/>
+                <a:ea typeface="Times New Roman" panose="02020603050405020304" pitchFamily="18" charset="0"/>
+                <a:cs typeface="Times New Roman" panose="02020603050405020304" pitchFamily="18" charset="0"/>
+              </a:rPr>
+              <a:t>Inefficient Management of Multiple Stores:</a:t>
+            </a:r>
+            <a:endParaRPr lang="en-IN" sz="1400" dirty="0">
+              <a:effectLst/>
+              <a:latin typeface="Calibri" panose="020F0502020204030204" pitchFamily="34" charset="0"/>
+              <a:ea typeface="Calibri" panose="020F0502020204030204" pitchFamily="34" charset="0"/>
+              <a:cs typeface="Times New Roman" panose="02020603050405020304" pitchFamily="18" charset="0"/>
+            </a:endParaRPr>
+          </a:p>
+          <a:p>
+            <a:pPr marL="342900" lvl="0" indent="-342900">
+              <a:lnSpc>
+                <a:spcPct val="107000"/>
+              </a:lnSpc>
+              <a:spcAft>
+                <a:spcPts val="800"/>
+              </a:spcAft>
+              <a:buSzPts val="1000"/>
+              <a:buFont typeface="Symbol" panose="05050102010706020507" pitchFamily="18" charset="2"/>
+              <a:buChar char=""/>
+              <a:tabLst>
+                <a:tab pos="678815" algn="l"/>
+              </a:tabLst>
+            </a:pPr>
+            <a:r>
+              <a:rPr lang="en-IN" sz="1800" dirty="0">
+                <a:effectLst/>
+                <a:latin typeface="Times New Roman" panose="02020603050405020304" pitchFamily="18" charset="0"/>
+                <a:ea typeface="Times New Roman" panose="02020603050405020304" pitchFamily="18" charset="0"/>
+                <a:cs typeface="Times New Roman" panose="02020603050405020304" pitchFamily="18" charset="0"/>
+              </a:rPr>
+              <a:t>Managing separate inventory, customer bases, and sales operations for each physical store is cumbersome and time-consuming.</a:t>
+            </a:r>
+            <a:endParaRPr lang="en-IN" sz="1400" dirty="0">
+              <a:effectLst/>
+              <a:latin typeface="Calibri" panose="020F0502020204030204" pitchFamily="34" charset="0"/>
+              <a:ea typeface="Calibri" panose="020F0502020204030204" pitchFamily="34" charset="0"/>
+              <a:cs typeface="Times New Roman" panose="02020603050405020304" pitchFamily="18" charset="0"/>
+            </a:endParaRPr>
+          </a:p>
+          <a:p>
+            <a:pPr marL="342900" lvl="0" indent="-342900">
+              <a:lnSpc>
+                <a:spcPct val="107000"/>
+              </a:lnSpc>
+              <a:spcAft>
+                <a:spcPts val="800"/>
+              </a:spcAft>
+              <a:buSzPts val="1000"/>
+              <a:buFont typeface="Symbol" panose="05050102010706020507" pitchFamily="18" charset="2"/>
+              <a:buChar char=""/>
+              <a:tabLst>
+                <a:tab pos="678815" algn="l"/>
+              </a:tabLst>
+            </a:pPr>
+            <a:r>
+              <a:rPr lang="en-IN" sz="1800" dirty="0">
+                <a:effectLst/>
+                <a:latin typeface="Times New Roman" panose="02020603050405020304" pitchFamily="18" charset="0"/>
+                <a:ea typeface="Times New Roman" panose="02020603050405020304" pitchFamily="18" charset="0"/>
+                <a:cs typeface="Times New Roman" panose="02020603050405020304" pitchFamily="18" charset="0"/>
+              </a:rPr>
+              <a:t>This inefficiency can lead to stockouts, discrepancies, and difficulty in tracking overall sales performance.</a:t>
+            </a:r>
+            <a:endParaRPr lang="en-IN" sz="1400" dirty="0">
+              <a:effectLst/>
+              <a:latin typeface="Calibri" panose="020F0502020204030204" pitchFamily="34" charset="0"/>
+              <a:ea typeface="Calibri" panose="020F0502020204030204" pitchFamily="34" charset="0"/>
+              <a:cs typeface="Times New Roman" panose="02020603050405020304" pitchFamily="18" charset="0"/>
+            </a:endParaRPr>
+          </a:p>
+          <a:p>
+            <a:pPr marL="342900" lvl="0" indent="-342900">
+              <a:lnSpc>
+                <a:spcPct val="107000"/>
+              </a:lnSpc>
+              <a:spcAft>
+                <a:spcPts val="800"/>
+              </a:spcAft>
+              <a:buFont typeface="+mj-lt"/>
+              <a:buAutoNum type="arabicPeriod"/>
+            </a:pPr>
+            <a:r>
+              <a:rPr lang="en-IN" sz="1800" b="1" dirty="0">
+                <a:effectLst/>
+                <a:latin typeface="Times New Roman" panose="02020603050405020304" pitchFamily="18" charset="0"/>
+                <a:ea typeface="Times New Roman" panose="02020603050405020304" pitchFamily="18" charset="0"/>
+                <a:cs typeface="Times New Roman" panose="02020603050405020304" pitchFamily="18" charset="0"/>
+              </a:rPr>
+              <a:t>Lack of Online Presence:</a:t>
+            </a:r>
+            <a:endParaRPr lang="en-IN" sz="1400" dirty="0">
+              <a:effectLst/>
+              <a:latin typeface="Calibri" panose="020F0502020204030204" pitchFamily="34" charset="0"/>
+              <a:ea typeface="Calibri" panose="020F0502020204030204" pitchFamily="34" charset="0"/>
+              <a:cs typeface="Times New Roman" panose="02020603050405020304" pitchFamily="18" charset="0"/>
+            </a:endParaRPr>
+          </a:p>
+          <a:p>
+            <a:pPr marL="342900" lvl="0" indent="-342900">
+              <a:lnSpc>
+                <a:spcPct val="107000"/>
+              </a:lnSpc>
+              <a:spcAft>
+                <a:spcPts val="800"/>
+              </a:spcAft>
+              <a:buSzPts val="1000"/>
+              <a:buFont typeface="Symbol" panose="05050102010706020507" pitchFamily="18" charset="2"/>
+              <a:buChar char=""/>
+              <a:tabLst>
+                <a:tab pos="678815" algn="l"/>
+              </a:tabLst>
+            </a:pPr>
+            <a:r>
+              <a:rPr lang="en-IN" sz="1800" dirty="0">
+                <a:effectLst/>
+                <a:latin typeface="Times New Roman" panose="02020603050405020304" pitchFamily="18" charset="0"/>
+                <a:ea typeface="Times New Roman" panose="02020603050405020304" pitchFamily="18" charset="0"/>
+                <a:cs typeface="Times New Roman" panose="02020603050405020304" pitchFamily="18" charset="0"/>
+              </a:rPr>
+              <a:t>The absence of an e-commerce platform prevents the client from capitalizing on the booming online retail market.</a:t>
+            </a:r>
+            <a:endParaRPr lang="en-IN" sz="1400" dirty="0">
+              <a:effectLst/>
+              <a:latin typeface="Calibri" panose="020F0502020204030204" pitchFamily="34" charset="0"/>
+              <a:ea typeface="Calibri" panose="020F0502020204030204" pitchFamily="34" charset="0"/>
+              <a:cs typeface="Times New Roman" panose="02020603050405020304" pitchFamily="18" charset="0"/>
+            </a:endParaRPr>
+          </a:p>
+          <a:p>
+            <a:pPr marL="342900" lvl="0" indent="-342900">
+              <a:lnSpc>
+                <a:spcPct val="107000"/>
+              </a:lnSpc>
+              <a:spcAft>
+                <a:spcPts val="800"/>
+              </a:spcAft>
+              <a:buSzPts val="1000"/>
+              <a:buFont typeface="Symbol" panose="05050102010706020507" pitchFamily="18" charset="2"/>
+              <a:buChar char=""/>
+              <a:tabLst>
+                <a:tab pos="678815" algn="l"/>
+              </a:tabLst>
+            </a:pPr>
+            <a:r>
+              <a:rPr lang="en-IN" sz="1800" dirty="0">
+                <a:effectLst/>
+                <a:latin typeface="Times New Roman" panose="02020603050405020304" pitchFamily="18" charset="0"/>
+                <a:ea typeface="Times New Roman" panose="02020603050405020304" pitchFamily="18" charset="0"/>
+                <a:cs typeface="Times New Roman" panose="02020603050405020304" pitchFamily="18" charset="0"/>
+              </a:rPr>
+              <a:t>This limits sales opportunities and excludes customers who prefer the convenience of online shopping.</a:t>
+            </a:r>
+            <a:endParaRPr lang="en-IN" sz="1400" dirty="0">
+              <a:effectLst/>
+              <a:latin typeface="Calibri" panose="020F0502020204030204" pitchFamily="34" charset="0"/>
+              <a:ea typeface="Calibri" panose="020F0502020204030204" pitchFamily="34" charset="0"/>
+              <a:cs typeface="Times New Roman" panose="02020603050405020304" pitchFamily="18" charset="0"/>
+            </a:endParaRPr>
           </a:p>
         </p:txBody>
       </p:sp>
@@ -3890,28 +4434,521 @@
       </p:sp>
       <p:sp>
         <p:nvSpPr>
-          <p:cNvPr id="3" name="Content Placeholder 2">
-            <a:extLst>
-              <a:ext uri="{FF2B5EF4-FFF2-40B4-BE49-F238E27FC236}">
-                <a16:creationId xmlns:a16="http://schemas.microsoft.com/office/drawing/2014/main" id="{CC875E5A-D11B-133F-642A-CA0A26B87D17}"/>
-              </a:ext>
-            </a:extLst>
-          </p:cNvPr>
-          <p:cNvSpPr>
-            <a:spLocks noGrp="1"/>
-          </p:cNvSpPr>
-          <p:nvPr>
-            <p:ph idx="1"/>
-          </p:nvPr>
-        </p:nvSpPr>
-        <p:spPr/>
-        <p:txBody>
-          <a:bodyPr>
-            <a:normAutofit/>
+          <p:cNvPr id="12" name="TextBox 11">
+            <a:extLst>
+              <a:ext uri="{FF2B5EF4-FFF2-40B4-BE49-F238E27FC236}">
+                <a16:creationId xmlns:a16="http://schemas.microsoft.com/office/drawing/2014/main" id="{8061D462-D4AA-A02F-614D-FB36A324028B}"/>
+              </a:ext>
+            </a:extLst>
+          </p:cNvPr>
+          <p:cNvSpPr txBox="1"/>
+          <p:nvPr/>
+        </p:nvSpPr>
+        <p:spPr>
+          <a:xfrm>
+            <a:off x="838200" y="1483566"/>
+            <a:ext cx="11353800" cy="3580019"/>
+          </a:xfrm>
+          <a:prstGeom prst="rect">
+            <a:avLst/>
+          </a:prstGeom>
+          <a:noFill/>
+        </p:spPr>
+        <p:txBody>
+          <a:bodyPr wrap="square">
+            <a:spAutoFit/>
           </a:bodyPr>
           <a:lstStyle/>
           <a:p>
-            <a:endParaRPr lang="en-IN" dirty="0"/>
+            <a:pPr marL="342900" lvl="0" indent="-342900">
+              <a:lnSpc>
+                <a:spcPct val="107000"/>
+              </a:lnSpc>
+              <a:spcAft>
+                <a:spcPts val="800"/>
+              </a:spcAft>
+              <a:buSzPts val="1000"/>
+              <a:buFont typeface="Symbol" panose="05050102010706020507" pitchFamily="18" charset="2"/>
+              <a:buChar char=""/>
+              <a:tabLst>
+                <a:tab pos="457200" algn="l"/>
+              </a:tabLst>
+            </a:pPr>
+            <a:r>
+              <a:rPr lang="en-IN" sz="1000" b="1" dirty="0">
+                <a:effectLst/>
+                <a:latin typeface="Times New Roman" panose="02020603050405020304" pitchFamily="18" charset="0"/>
+                <a:ea typeface="Times New Roman" panose="02020603050405020304" pitchFamily="18" charset="0"/>
+                <a:cs typeface="Times New Roman" panose="02020603050405020304" pitchFamily="18" charset="0"/>
+              </a:rPr>
+              <a:t>Limited Scalability:</a:t>
+            </a:r>
+            <a:r>
+              <a:rPr lang="en-IN" sz="1000" dirty="0">
+                <a:effectLst/>
+                <a:latin typeface="Times New Roman" panose="02020603050405020304" pitchFamily="18" charset="0"/>
+                <a:ea typeface="Times New Roman" panose="02020603050405020304" pitchFamily="18" charset="0"/>
+                <a:cs typeface="Times New Roman" panose="02020603050405020304" pitchFamily="18" charset="0"/>
+              </a:rPr>
+              <a:t> Manual management of multiple stores with separate inventory and customer bases becomes increasingly difficult as the business grows. A computerized platform like </a:t>
+            </a:r>
+            <a:r>
+              <a:rPr lang="en-IN" sz="1000" dirty="0" err="1">
+                <a:effectLst/>
+                <a:latin typeface="Times New Roman" panose="02020603050405020304" pitchFamily="18" charset="0"/>
+                <a:ea typeface="Times New Roman" panose="02020603050405020304" pitchFamily="18" charset="0"/>
+                <a:cs typeface="Times New Roman" panose="02020603050405020304" pitchFamily="18" charset="0"/>
+              </a:rPr>
+              <a:t>GetiT</a:t>
+            </a:r>
+            <a:r>
+              <a:rPr lang="en-IN" sz="1000" dirty="0">
+                <a:effectLst/>
+                <a:latin typeface="Times New Roman" panose="02020603050405020304" pitchFamily="18" charset="0"/>
+                <a:ea typeface="Times New Roman" panose="02020603050405020304" pitchFamily="18" charset="0"/>
+                <a:cs typeface="Times New Roman" panose="02020603050405020304" pitchFamily="18" charset="0"/>
+              </a:rPr>
+              <a:t> scales efficiently, handling increased customer traffic and product offerings. </a:t>
+            </a:r>
+            <a:endParaRPr lang="en-IN" sz="1000" dirty="0">
+              <a:effectLst/>
+              <a:latin typeface="Calibri" panose="020F0502020204030204" pitchFamily="34" charset="0"/>
+              <a:ea typeface="Calibri" panose="020F0502020204030204" pitchFamily="34" charset="0"/>
+              <a:cs typeface="Times New Roman" panose="02020603050405020304" pitchFamily="18" charset="0"/>
+            </a:endParaRPr>
+          </a:p>
+          <a:p>
+            <a:pPr>
+              <a:lnSpc>
+                <a:spcPct val="107000"/>
+              </a:lnSpc>
+              <a:spcAft>
+                <a:spcPts val="800"/>
+              </a:spcAft>
+            </a:pPr>
+            <a:r>
+              <a:rPr lang="en-IN" sz="1000" dirty="0">
+                <a:effectLst/>
+                <a:latin typeface="Times New Roman" panose="02020603050405020304" pitchFamily="18" charset="0"/>
+                <a:ea typeface="Times New Roman" panose="02020603050405020304" pitchFamily="18" charset="0"/>
+                <a:cs typeface="Times New Roman" panose="02020603050405020304" pitchFamily="18" charset="0"/>
+              </a:rPr>
+              <a:t> </a:t>
+            </a:r>
+            <a:endParaRPr lang="en-IN" sz="1000" dirty="0">
+              <a:effectLst/>
+              <a:latin typeface="Calibri" panose="020F0502020204030204" pitchFamily="34" charset="0"/>
+              <a:ea typeface="Calibri" panose="020F0502020204030204" pitchFamily="34" charset="0"/>
+              <a:cs typeface="Times New Roman" panose="02020603050405020304" pitchFamily="18" charset="0"/>
+            </a:endParaRPr>
+          </a:p>
+          <a:p>
+            <a:pPr marL="342900" lvl="0" indent="-342900">
+              <a:lnSpc>
+                <a:spcPct val="107000"/>
+              </a:lnSpc>
+              <a:spcAft>
+                <a:spcPts val="800"/>
+              </a:spcAft>
+              <a:buSzPts val="1000"/>
+              <a:buFont typeface="Symbol" panose="05050102010706020507" pitchFamily="18" charset="2"/>
+              <a:buChar char=""/>
+              <a:tabLst>
+                <a:tab pos="457200" algn="l"/>
+              </a:tabLst>
+            </a:pPr>
+            <a:r>
+              <a:rPr lang="en-IN" sz="1000" b="1" dirty="0">
+                <a:effectLst/>
+                <a:latin typeface="Times New Roman" panose="02020603050405020304" pitchFamily="18" charset="0"/>
+                <a:ea typeface="Times New Roman" panose="02020603050405020304" pitchFamily="18" charset="0"/>
+                <a:cs typeface="Times New Roman" panose="02020603050405020304" pitchFamily="18" charset="0"/>
+              </a:rPr>
+              <a:t>Data Management:</a:t>
+            </a:r>
+            <a:r>
+              <a:rPr lang="en-IN" sz="1000" dirty="0">
+                <a:effectLst/>
+                <a:latin typeface="Times New Roman" panose="02020603050405020304" pitchFamily="18" charset="0"/>
+                <a:ea typeface="Times New Roman" panose="02020603050405020304" pitchFamily="18" charset="0"/>
+                <a:cs typeface="Times New Roman" panose="02020603050405020304" pitchFamily="18" charset="0"/>
+              </a:rPr>
+              <a:t> Tracking sales, inventory levels, and customer data across physical stores is cumbersome and prone to errors. </a:t>
+            </a:r>
+            <a:r>
+              <a:rPr lang="en-IN" sz="1000" dirty="0" err="1">
+                <a:effectLst/>
+                <a:latin typeface="Times New Roman" panose="02020603050405020304" pitchFamily="18" charset="0"/>
+                <a:ea typeface="Times New Roman" panose="02020603050405020304" pitchFamily="18" charset="0"/>
+                <a:cs typeface="Times New Roman" panose="02020603050405020304" pitchFamily="18" charset="0"/>
+              </a:rPr>
+              <a:t>GetiT</a:t>
+            </a:r>
+            <a:r>
+              <a:rPr lang="en-IN" sz="1000" dirty="0">
+                <a:effectLst/>
+                <a:latin typeface="Times New Roman" panose="02020603050405020304" pitchFamily="18" charset="0"/>
+                <a:ea typeface="Times New Roman" panose="02020603050405020304" pitchFamily="18" charset="0"/>
+                <a:cs typeface="Times New Roman" panose="02020603050405020304" pitchFamily="18" charset="0"/>
+              </a:rPr>
+              <a:t> provides a centralized database, offering real-time insights and facilitating accurate data analysis for informed decision-making. </a:t>
+            </a:r>
+            <a:endParaRPr lang="en-IN" sz="1000" dirty="0">
+              <a:effectLst/>
+              <a:latin typeface="Calibri" panose="020F0502020204030204" pitchFamily="34" charset="0"/>
+              <a:ea typeface="Calibri" panose="020F0502020204030204" pitchFamily="34" charset="0"/>
+              <a:cs typeface="Times New Roman" panose="02020603050405020304" pitchFamily="18" charset="0"/>
+            </a:endParaRPr>
+          </a:p>
+          <a:p>
+            <a:pPr>
+              <a:lnSpc>
+                <a:spcPct val="107000"/>
+              </a:lnSpc>
+              <a:spcAft>
+                <a:spcPts val="800"/>
+              </a:spcAft>
+            </a:pPr>
+            <a:r>
+              <a:rPr lang="en-IN" sz="1000" dirty="0">
+                <a:effectLst/>
+                <a:latin typeface="Times New Roman" panose="02020603050405020304" pitchFamily="18" charset="0"/>
+                <a:ea typeface="Times New Roman" panose="02020603050405020304" pitchFamily="18" charset="0"/>
+                <a:cs typeface="Times New Roman" panose="02020603050405020304" pitchFamily="18" charset="0"/>
+              </a:rPr>
+              <a:t> </a:t>
+            </a:r>
+            <a:endParaRPr lang="en-IN" sz="1000" dirty="0">
+              <a:effectLst/>
+              <a:latin typeface="Calibri" panose="020F0502020204030204" pitchFamily="34" charset="0"/>
+              <a:ea typeface="Calibri" panose="020F0502020204030204" pitchFamily="34" charset="0"/>
+              <a:cs typeface="Times New Roman" panose="02020603050405020304" pitchFamily="18" charset="0"/>
+            </a:endParaRPr>
+          </a:p>
+          <a:p>
+            <a:pPr marL="342900" lvl="0" indent="-342900">
+              <a:lnSpc>
+                <a:spcPct val="107000"/>
+              </a:lnSpc>
+              <a:spcAft>
+                <a:spcPts val="800"/>
+              </a:spcAft>
+              <a:buSzPts val="1000"/>
+              <a:buFont typeface="Symbol" panose="05050102010706020507" pitchFamily="18" charset="2"/>
+              <a:buChar char=""/>
+              <a:tabLst>
+                <a:tab pos="457200" algn="l"/>
+              </a:tabLst>
+            </a:pPr>
+            <a:r>
+              <a:rPr lang="en-IN" sz="1000" b="1" dirty="0">
+                <a:effectLst/>
+                <a:latin typeface="Times New Roman" panose="02020603050405020304" pitchFamily="18" charset="0"/>
+                <a:ea typeface="Times New Roman" panose="02020603050405020304" pitchFamily="18" charset="0"/>
+                <a:cs typeface="Times New Roman" panose="02020603050405020304" pitchFamily="18" charset="0"/>
+              </a:rPr>
+              <a:t>Inefficient Operations:</a:t>
+            </a:r>
+            <a:r>
+              <a:rPr lang="en-IN" sz="1000" dirty="0">
+                <a:effectLst/>
+                <a:latin typeface="Times New Roman" panose="02020603050405020304" pitchFamily="18" charset="0"/>
+                <a:ea typeface="Times New Roman" panose="02020603050405020304" pitchFamily="18" charset="0"/>
+                <a:cs typeface="Times New Roman" panose="02020603050405020304" pitchFamily="18" charset="0"/>
+              </a:rPr>
+              <a:t> Manual communication with customers, order processing, and stock management are time-consuming and error-prone. </a:t>
+            </a:r>
+            <a:r>
+              <a:rPr lang="en-IN" sz="1000" dirty="0" err="1">
+                <a:effectLst/>
+                <a:latin typeface="Times New Roman" panose="02020603050405020304" pitchFamily="18" charset="0"/>
+                <a:ea typeface="Times New Roman" panose="02020603050405020304" pitchFamily="18" charset="0"/>
+                <a:cs typeface="Times New Roman" panose="02020603050405020304" pitchFamily="18" charset="0"/>
+              </a:rPr>
+              <a:t>GetiT</a:t>
+            </a:r>
+            <a:r>
+              <a:rPr lang="en-IN" sz="1000" dirty="0">
+                <a:effectLst/>
+                <a:latin typeface="Times New Roman" panose="02020603050405020304" pitchFamily="18" charset="0"/>
+                <a:ea typeface="Times New Roman" panose="02020603050405020304" pitchFamily="18" charset="0"/>
+                <a:cs typeface="Times New Roman" panose="02020603050405020304" pitchFamily="18" charset="0"/>
+              </a:rPr>
+              <a:t> automates these tasks, optimizing operations and improving overall efficiency. </a:t>
+            </a:r>
+            <a:endParaRPr lang="en-IN" sz="1000" dirty="0">
+              <a:effectLst/>
+              <a:latin typeface="Calibri" panose="020F0502020204030204" pitchFamily="34" charset="0"/>
+              <a:ea typeface="Calibri" panose="020F0502020204030204" pitchFamily="34" charset="0"/>
+              <a:cs typeface="Times New Roman" panose="02020603050405020304" pitchFamily="18" charset="0"/>
+            </a:endParaRPr>
+          </a:p>
+          <a:p>
+            <a:pPr>
+              <a:lnSpc>
+                <a:spcPct val="107000"/>
+              </a:lnSpc>
+              <a:spcAft>
+                <a:spcPts val="800"/>
+              </a:spcAft>
+            </a:pPr>
+            <a:r>
+              <a:rPr lang="en-IN" sz="1000" dirty="0">
+                <a:effectLst/>
+                <a:latin typeface="Times New Roman" panose="02020603050405020304" pitchFamily="18" charset="0"/>
+                <a:ea typeface="Times New Roman" panose="02020603050405020304" pitchFamily="18" charset="0"/>
+                <a:cs typeface="Times New Roman" panose="02020603050405020304" pitchFamily="18" charset="0"/>
+              </a:rPr>
+              <a:t> </a:t>
+            </a:r>
+            <a:endParaRPr lang="en-IN" sz="1000" dirty="0">
+              <a:effectLst/>
+              <a:latin typeface="Calibri" panose="020F0502020204030204" pitchFamily="34" charset="0"/>
+              <a:ea typeface="Calibri" panose="020F0502020204030204" pitchFamily="34" charset="0"/>
+              <a:cs typeface="Times New Roman" panose="02020603050405020304" pitchFamily="18" charset="0"/>
+            </a:endParaRPr>
+          </a:p>
+          <a:p>
+            <a:pPr marL="342900" lvl="0" indent="-342900">
+              <a:lnSpc>
+                <a:spcPct val="107000"/>
+              </a:lnSpc>
+              <a:spcAft>
+                <a:spcPts val="800"/>
+              </a:spcAft>
+              <a:buSzPts val="1000"/>
+              <a:buFont typeface="Symbol" panose="05050102010706020507" pitchFamily="18" charset="2"/>
+              <a:buChar char=""/>
+              <a:tabLst>
+                <a:tab pos="457200" algn="l"/>
+              </a:tabLst>
+            </a:pPr>
+            <a:r>
+              <a:rPr lang="en-IN" sz="1000" b="1" dirty="0">
+                <a:effectLst/>
+                <a:latin typeface="Times New Roman" panose="02020603050405020304" pitchFamily="18" charset="0"/>
+                <a:ea typeface="Times New Roman" panose="02020603050405020304" pitchFamily="18" charset="0"/>
+                <a:cs typeface="Times New Roman" panose="02020603050405020304" pitchFamily="18" charset="0"/>
+              </a:rPr>
+              <a:t>Limited Customer Reach:</a:t>
+            </a:r>
+            <a:r>
+              <a:rPr lang="en-IN" sz="1000" dirty="0">
+                <a:effectLst/>
+                <a:latin typeface="Times New Roman" panose="02020603050405020304" pitchFamily="18" charset="0"/>
+                <a:ea typeface="Times New Roman" panose="02020603050405020304" pitchFamily="18" charset="0"/>
+                <a:cs typeface="Times New Roman" panose="02020603050405020304" pitchFamily="18" charset="0"/>
+              </a:rPr>
+              <a:t> Geographic limitations prevent wider customer acquisition. </a:t>
+            </a:r>
+            <a:r>
+              <a:rPr lang="en-IN" sz="1000" dirty="0" err="1">
+                <a:effectLst/>
+                <a:latin typeface="Times New Roman" panose="02020603050405020304" pitchFamily="18" charset="0"/>
+                <a:ea typeface="Times New Roman" panose="02020603050405020304" pitchFamily="18" charset="0"/>
+                <a:cs typeface="Times New Roman" panose="02020603050405020304" pitchFamily="18" charset="0"/>
+              </a:rPr>
+              <a:t>GetiT</a:t>
+            </a:r>
+            <a:r>
+              <a:rPr lang="en-IN" sz="1000" dirty="0">
+                <a:effectLst/>
+                <a:latin typeface="Times New Roman" panose="02020603050405020304" pitchFamily="18" charset="0"/>
+                <a:ea typeface="Times New Roman" panose="02020603050405020304" pitchFamily="18" charset="0"/>
+                <a:cs typeface="Times New Roman" panose="02020603050405020304" pitchFamily="18" charset="0"/>
+              </a:rPr>
+              <a:t> expands reach through an online platform, attracting customers beyond the physical stores' locations. </a:t>
+            </a:r>
+            <a:endParaRPr lang="en-IN" sz="1000" dirty="0">
+              <a:effectLst/>
+              <a:latin typeface="Calibri" panose="020F0502020204030204" pitchFamily="34" charset="0"/>
+              <a:ea typeface="Calibri" panose="020F0502020204030204" pitchFamily="34" charset="0"/>
+              <a:cs typeface="Times New Roman" panose="02020603050405020304" pitchFamily="18" charset="0"/>
+            </a:endParaRPr>
+          </a:p>
+          <a:p>
+            <a:pPr>
+              <a:lnSpc>
+                <a:spcPct val="107000"/>
+              </a:lnSpc>
+              <a:spcAft>
+                <a:spcPts val="800"/>
+              </a:spcAft>
+            </a:pPr>
+            <a:r>
+              <a:rPr lang="en-IN" sz="1000" dirty="0">
+                <a:effectLst/>
+                <a:latin typeface="Times New Roman" panose="02020603050405020304" pitchFamily="18" charset="0"/>
+                <a:ea typeface="Times New Roman" panose="02020603050405020304" pitchFamily="18" charset="0"/>
+                <a:cs typeface="Times New Roman" panose="02020603050405020304" pitchFamily="18" charset="0"/>
+              </a:rPr>
+              <a:t> </a:t>
+            </a:r>
+            <a:endParaRPr lang="en-IN" sz="1000" dirty="0">
+              <a:effectLst/>
+              <a:latin typeface="Calibri" panose="020F0502020204030204" pitchFamily="34" charset="0"/>
+              <a:ea typeface="Calibri" panose="020F0502020204030204" pitchFamily="34" charset="0"/>
+              <a:cs typeface="Times New Roman" panose="02020603050405020304" pitchFamily="18" charset="0"/>
+            </a:endParaRPr>
+          </a:p>
+          <a:p>
+            <a:pPr marL="342900" lvl="0" indent="-342900">
+              <a:lnSpc>
+                <a:spcPct val="107000"/>
+              </a:lnSpc>
+              <a:spcAft>
+                <a:spcPts val="800"/>
+              </a:spcAft>
+              <a:buSzPts val="1000"/>
+              <a:buFont typeface="Symbol" panose="05050102010706020507" pitchFamily="18" charset="2"/>
+              <a:buChar char=""/>
+              <a:tabLst>
+                <a:tab pos="457200" algn="l"/>
+              </a:tabLst>
+            </a:pPr>
+            <a:r>
+              <a:rPr lang="en-IN" sz="1000" b="1" dirty="0">
+                <a:effectLst/>
+                <a:latin typeface="Times New Roman" panose="02020603050405020304" pitchFamily="18" charset="0"/>
+                <a:ea typeface="Times New Roman" panose="02020603050405020304" pitchFamily="18" charset="0"/>
+                <a:cs typeface="Times New Roman" panose="02020603050405020304" pitchFamily="18" charset="0"/>
+              </a:rPr>
+              <a:t>Lack of 24/7 Availability:</a:t>
+            </a:r>
+            <a:r>
+              <a:rPr lang="en-IN" sz="1000" dirty="0">
+                <a:effectLst/>
+                <a:latin typeface="Times New Roman" panose="02020603050405020304" pitchFamily="18" charset="0"/>
+                <a:ea typeface="Times New Roman" panose="02020603050405020304" pitchFamily="18" charset="0"/>
+                <a:cs typeface="Times New Roman" panose="02020603050405020304" pitchFamily="18" charset="0"/>
+              </a:rPr>
+              <a:t> Traditional stores have limited operating hours. </a:t>
+            </a:r>
+            <a:r>
+              <a:rPr lang="en-IN" sz="1000" dirty="0" err="1">
+                <a:effectLst/>
+                <a:latin typeface="Times New Roman" panose="02020603050405020304" pitchFamily="18" charset="0"/>
+                <a:ea typeface="Times New Roman" panose="02020603050405020304" pitchFamily="18" charset="0"/>
+                <a:cs typeface="Times New Roman" panose="02020603050405020304" pitchFamily="18" charset="0"/>
+              </a:rPr>
+              <a:t>GetiT</a:t>
+            </a:r>
+            <a:r>
+              <a:rPr lang="en-IN" sz="1000" dirty="0">
+                <a:effectLst/>
+                <a:latin typeface="Times New Roman" panose="02020603050405020304" pitchFamily="18" charset="0"/>
+                <a:ea typeface="Times New Roman" panose="02020603050405020304" pitchFamily="18" charset="0"/>
+                <a:cs typeface="Times New Roman" panose="02020603050405020304" pitchFamily="18" charset="0"/>
+              </a:rPr>
+              <a:t> offers a continuously accessible online platform, allowing customers to browse and shop at their convenience. </a:t>
+            </a:r>
+            <a:endParaRPr lang="en-IN" sz="1000" dirty="0">
+              <a:effectLst/>
+              <a:latin typeface="Calibri" panose="020F0502020204030204" pitchFamily="34" charset="0"/>
+              <a:ea typeface="Calibri" panose="020F0502020204030204" pitchFamily="34" charset="0"/>
+              <a:cs typeface="Times New Roman" panose="02020603050405020304" pitchFamily="18" charset="0"/>
+            </a:endParaRPr>
+          </a:p>
+          <a:p>
+            <a:pPr>
+              <a:lnSpc>
+                <a:spcPct val="107000"/>
+              </a:lnSpc>
+              <a:spcAft>
+                <a:spcPts val="800"/>
+              </a:spcAft>
+            </a:pPr>
+            <a:r>
+              <a:rPr lang="en-IN" sz="1000" dirty="0">
+                <a:effectLst/>
+                <a:latin typeface="Times New Roman" panose="02020603050405020304" pitchFamily="18" charset="0"/>
+                <a:ea typeface="Times New Roman" panose="02020603050405020304" pitchFamily="18" charset="0"/>
+                <a:cs typeface="Times New Roman" panose="02020603050405020304" pitchFamily="18" charset="0"/>
+              </a:rPr>
+              <a:t> </a:t>
+            </a:r>
+            <a:endParaRPr lang="en-IN" sz="1000" dirty="0">
+              <a:effectLst/>
+              <a:latin typeface="Calibri" panose="020F0502020204030204" pitchFamily="34" charset="0"/>
+              <a:ea typeface="Calibri" panose="020F0502020204030204" pitchFamily="34" charset="0"/>
+              <a:cs typeface="Times New Roman" panose="02020603050405020304" pitchFamily="18" charset="0"/>
+            </a:endParaRPr>
+          </a:p>
+          <a:p>
+            <a:pPr marL="342900" lvl="0" indent="-342900">
+              <a:lnSpc>
+                <a:spcPct val="107000"/>
+              </a:lnSpc>
+              <a:spcAft>
+                <a:spcPts val="800"/>
+              </a:spcAft>
+              <a:buSzPts val="1000"/>
+              <a:buFont typeface="Symbol" panose="05050102010706020507" pitchFamily="18" charset="2"/>
+              <a:buChar char=""/>
+              <a:tabLst>
+                <a:tab pos="457200" algn="l"/>
+              </a:tabLst>
+            </a:pPr>
+            <a:r>
+              <a:rPr lang="en-IN" sz="1000" b="1" dirty="0">
+                <a:effectLst/>
+                <a:latin typeface="Times New Roman" panose="02020603050405020304" pitchFamily="18" charset="0"/>
+                <a:ea typeface="Times New Roman" panose="02020603050405020304" pitchFamily="18" charset="0"/>
+                <a:cs typeface="Times New Roman" panose="02020603050405020304" pitchFamily="18" charset="0"/>
+              </a:rPr>
+              <a:t>Data-Driven Marketing:</a:t>
+            </a:r>
+            <a:r>
+              <a:rPr lang="en-IN" sz="1000" dirty="0">
+                <a:effectLst/>
+                <a:latin typeface="Times New Roman" panose="02020603050405020304" pitchFamily="18" charset="0"/>
+                <a:ea typeface="Times New Roman" panose="02020603050405020304" pitchFamily="18" charset="0"/>
+                <a:cs typeface="Times New Roman" panose="02020603050405020304" pitchFamily="18" charset="0"/>
+              </a:rPr>
+              <a:t> Without an online platform, understanding customer preferences and </a:t>
+            </a:r>
+            <a:r>
+              <a:rPr lang="en-IN" sz="1000" dirty="0" err="1">
+                <a:effectLst/>
+                <a:latin typeface="Times New Roman" panose="02020603050405020304" pitchFamily="18" charset="0"/>
+                <a:ea typeface="Times New Roman" panose="02020603050405020304" pitchFamily="18" charset="0"/>
+                <a:cs typeface="Times New Roman" panose="02020603050405020304" pitchFamily="18" charset="0"/>
+              </a:rPr>
+              <a:t>behavior</a:t>
+            </a:r>
+            <a:r>
+              <a:rPr lang="en-IN" sz="1000" dirty="0">
+                <a:effectLst/>
+                <a:latin typeface="Times New Roman" panose="02020603050405020304" pitchFamily="18" charset="0"/>
+                <a:ea typeface="Times New Roman" panose="02020603050405020304" pitchFamily="18" charset="0"/>
+                <a:cs typeface="Times New Roman" panose="02020603050405020304" pitchFamily="18" charset="0"/>
+              </a:rPr>
+              <a:t> is challenging. </a:t>
+            </a:r>
+            <a:r>
+              <a:rPr lang="en-IN" sz="1000" dirty="0" err="1">
+                <a:effectLst/>
+                <a:latin typeface="Times New Roman" panose="02020603050405020304" pitchFamily="18" charset="0"/>
+                <a:ea typeface="Times New Roman" panose="02020603050405020304" pitchFamily="18" charset="0"/>
+                <a:cs typeface="Times New Roman" panose="02020603050405020304" pitchFamily="18" charset="0"/>
+              </a:rPr>
+              <a:t>GetiT</a:t>
+            </a:r>
+            <a:r>
+              <a:rPr lang="en-IN" sz="1000" dirty="0">
+                <a:effectLst/>
+                <a:latin typeface="Times New Roman" panose="02020603050405020304" pitchFamily="18" charset="0"/>
+                <a:ea typeface="Times New Roman" panose="02020603050405020304" pitchFamily="18" charset="0"/>
+                <a:cs typeface="Times New Roman" panose="02020603050405020304" pitchFamily="18" charset="0"/>
+              </a:rPr>
+              <a:t> provides valuable customer data, enabling targeted marketing campaigns and product offerings based on customer insights.</a:t>
+            </a:r>
+            <a:endParaRPr lang="en-IN" sz="1000" dirty="0">
+              <a:effectLst/>
+              <a:latin typeface="Calibri" panose="020F0502020204030204" pitchFamily="34" charset="0"/>
+              <a:ea typeface="Calibri" panose="020F0502020204030204" pitchFamily="34" charset="0"/>
+              <a:cs typeface="Times New Roman" panose="02020603050405020304" pitchFamily="18" charset="0"/>
+            </a:endParaRPr>
           </a:p>
         </p:txBody>
       </p:sp>
@@ -3996,9 +5033,194 @@
         <p:spPr/>
         <p:txBody>
           <a:bodyPr>
-            <a:normAutofit/>
+            <a:normAutofit fontScale="92500" lnSpcReduction="10000"/>
           </a:bodyPr>
           <a:lstStyle/>
+          <a:p>
+            <a:pPr marL="342900" lvl="0" indent="-342900">
+              <a:lnSpc>
+                <a:spcPct val="107000"/>
+              </a:lnSpc>
+              <a:spcAft>
+                <a:spcPts val="800"/>
+              </a:spcAft>
+              <a:tabLst>
+                <a:tab pos="457200" algn="l"/>
+              </a:tabLst>
+            </a:pPr>
+            <a:r>
+              <a:rPr lang="en-IN" sz="1800" b="1" dirty="0">
+                <a:effectLst/>
+                <a:latin typeface="Times New Roman" panose="02020603050405020304" pitchFamily="18" charset="0"/>
+                <a:ea typeface="Times New Roman" panose="02020603050405020304" pitchFamily="18" charset="0"/>
+                <a:cs typeface="Times New Roman" panose="02020603050405020304" pitchFamily="18" charset="0"/>
+              </a:rPr>
+              <a:t>Expand Market Reach:</a:t>
+            </a:r>
+            <a:r>
+              <a:rPr lang="en-IN" sz="1800" dirty="0">
+                <a:effectLst/>
+                <a:latin typeface="Times New Roman" panose="02020603050405020304" pitchFamily="18" charset="0"/>
+                <a:ea typeface="Times New Roman" panose="02020603050405020304" pitchFamily="18" charset="0"/>
+                <a:cs typeface="Times New Roman" panose="02020603050405020304" pitchFamily="18" charset="0"/>
+              </a:rPr>
+              <a:t> Break geographical limitations by creating an online presence that attracts customers beyond the vicinity of physical stores. This fosters business growth and opens new market opportunities.</a:t>
+            </a:r>
+            <a:endParaRPr lang="en-IN" sz="1800" dirty="0">
+              <a:effectLst/>
+              <a:latin typeface="Calibri" panose="020F0502020204030204" pitchFamily="34" charset="0"/>
+              <a:ea typeface="Calibri" panose="020F0502020204030204" pitchFamily="34" charset="0"/>
+              <a:cs typeface="Times New Roman" panose="02020603050405020304" pitchFamily="18" charset="0"/>
+            </a:endParaRPr>
+          </a:p>
+          <a:p>
+            <a:pPr marL="342900" lvl="0" indent="-342900">
+              <a:lnSpc>
+                <a:spcPct val="107000"/>
+              </a:lnSpc>
+              <a:spcAft>
+                <a:spcPts val="800"/>
+              </a:spcAft>
+              <a:tabLst>
+                <a:tab pos="457200" algn="l"/>
+              </a:tabLst>
+            </a:pPr>
+            <a:r>
+              <a:rPr lang="en-IN" sz="1800" b="1" dirty="0">
+                <a:effectLst/>
+                <a:latin typeface="Times New Roman" panose="02020603050405020304" pitchFamily="18" charset="0"/>
+                <a:ea typeface="Times New Roman" panose="02020603050405020304" pitchFamily="18" charset="0"/>
+                <a:cs typeface="Times New Roman" panose="02020603050405020304" pitchFamily="18" charset="0"/>
+              </a:rPr>
+              <a:t>Enhance Customer Experience:</a:t>
+            </a:r>
+            <a:r>
+              <a:rPr lang="en-IN" sz="1800" dirty="0">
+                <a:effectLst/>
+                <a:latin typeface="Times New Roman" panose="02020603050405020304" pitchFamily="18" charset="0"/>
+                <a:ea typeface="Times New Roman" panose="02020603050405020304" pitchFamily="18" charset="0"/>
+                <a:cs typeface="Times New Roman" panose="02020603050405020304" pitchFamily="18" charset="0"/>
+              </a:rPr>
+              <a:t> Offer a convenient and user-friendly online shopping platform that caters to customers who prefer browsing, purchasing, and managing orders electronically. This improves customer satisfaction and loyalty.</a:t>
+            </a:r>
+            <a:endParaRPr lang="en-IN" sz="1800" dirty="0">
+              <a:effectLst/>
+              <a:latin typeface="Calibri" panose="020F0502020204030204" pitchFamily="34" charset="0"/>
+              <a:ea typeface="Calibri" panose="020F0502020204030204" pitchFamily="34" charset="0"/>
+              <a:cs typeface="Times New Roman" panose="02020603050405020304" pitchFamily="18" charset="0"/>
+            </a:endParaRPr>
+          </a:p>
+          <a:p>
+            <a:pPr marL="342900" lvl="0" indent="-342900">
+              <a:lnSpc>
+                <a:spcPct val="107000"/>
+              </a:lnSpc>
+              <a:spcAft>
+                <a:spcPts val="800"/>
+              </a:spcAft>
+              <a:tabLst>
+                <a:tab pos="457200" algn="l"/>
+              </a:tabLst>
+            </a:pPr>
+            <a:r>
+              <a:rPr lang="en-IN" sz="1800" b="1" dirty="0">
+                <a:effectLst/>
+                <a:latin typeface="Times New Roman" panose="02020603050405020304" pitchFamily="18" charset="0"/>
+                <a:ea typeface="Times New Roman" panose="02020603050405020304" pitchFamily="18" charset="0"/>
+                <a:cs typeface="Times New Roman" panose="02020603050405020304" pitchFamily="18" charset="0"/>
+              </a:rPr>
+              <a:t>Streamline Business Management:</a:t>
+            </a:r>
+            <a:r>
+              <a:rPr lang="en-IN" sz="1800" dirty="0">
+                <a:effectLst/>
+                <a:latin typeface="Times New Roman" panose="02020603050405020304" pitchFamily="18" charset="0"/>
+                <a:ea typeface="Times New Roman" panose="02020603050405020304" pitchFamily="18" charset="0"/>
+                <a:cs typeface="Times New Roman" panose="02020603050405020304" pitchFamily="18" charset="0"/>
+              </a:rPr>
+              <a:t> Centralize inventory management, order processing, and customer interactions into a single platform. This eliminates the inefficiencies associated with managing separate stores and provides a consolidated view of business performance.</a:t>
+            </a:r>
+            <a:endParaRPr lang="en-IN" sz="1800" dirty="0">
+              <a:effectLst/>
+              <a:latin typeface="Calibri" panose="020F0502020204030204" pitchFamily="34" charset="0"/>
+              <a:ea typeface="Calibri" panose="020F0502020204030204" pitchFamily="34" charset="0"/>
+              <a:cs typeface="Times New Roman" panose="02020603050405020304" pitchFamily="18" charset="0"/>
+            </a:endParaRPr>
+          </a:p>
+          <a:p>
+            <a:pPr marL="342900" lvl="0" indent="-342900">
+              <a:lnSpc>
+                <a:spcPct val="107000"/>
+              </a:lnSpc>
+              <a:spcAft>
+                <a:spcPts val="800"/>
+              </a:spcAft>
+              <a:tabLst>
+                <a:tab pos="457200" algn="l"/>
+              </a:tabLst>
+            </a:pPr>
+            <a:r>
+              <a:rPr lang="en-IN" sz="1800" b="1" dirty="0">
+                <a:effectLst/>
+                <a:latin typeface="Times New Roman" panose="02020603050405020304" pitchFamily="18" charset="0"/>
+                <a:ea typeface="Times New Roman" panose="02020603050405020304" pitchFamily="18" charset="0"/>
+                <a:cs typeface="Times New Roman" panose="02020603050405020304" pitchFamily="18" charset="0"/>
+              </a:rPr>
+              <a:t>Consolidate Customer Base:</a:t>
+            </a:r>
+            <a:r>
+              <a:rPr lang="en-IN" sz="1800" dirty="0">
+                <a:effectLst/>
+                <a:latin typeface="Times New Roman" panose="02020603050405020304" pitchFamily="18" charset="0"/>
+                <a:ea typeface="Times New Roman" panose="02020603050405020304" pitchFamily="18" charset="0"/>
+                <a:cs typeface="Times New Roman" panose="02020603050405020304" pitchFamily="18" charset="0"/>
+              </a:rPr>
+              <a:t> Unify customer data and interactions across different product categories, fostering a cohesive brand experience and facilitating targeted marketing campaigns.</a:t>
+            </a:r>
+            <a:endParaRPr lang="en-IN" sz="1800" dirty="0">
+              <a:effectLst/>
+              <a:latin typeface="Calibri" panose="020F0502020204030204" pitchFamily="34" charset="0"/>
+              <a:ea typeface="Calibri" panose="020F0502020204030204" pitchFamily="34" charset="0"/>
+              <a:cs typeface="Times New Roman" panose="02020603050405020304" pitchFamily="18" charset="0"/>
+            </a:endParaRPr>
+          </a:p>
+          <a:p>
+            <a:pPr marL="342900" lvl="0" indent="-342900">
+              <a:lnSpc>
+                <a:spcPct val="107000"/>
+              </a:lnSpc>
+              <a:spcAft>
+                <a:spcPts val="800"/>
+              </a:spcAft>
+              <a:tabLst>
+                <a:tab pos="457200" algn="l"/>
+              </a:tabLst>
+            </a:pPr>
+            <a:r>
+              <a:rPr lang="en-IN" sz="1800" b="1" dirty="0">
+                <a:effectLst/>
+                <a:latin typeface="Times New Roman" panose="02020603050405020304" pitchFamily="18" charset="0"/>
+                <a:ea typeface="Times New Roman" panose="02020603050405020304" pitchFamily="18" charset="0"/>
+                <a:cs typeface="Times New Roman" panose="02020603050405020304" pitchFamily="18" charset="0"/>
+              </a:rPr>
+              <a:t>Reduce Operational Costs:</a:t>
+            </a:r>
+            <a:r>
+              <a:rPr lang="en-IN" sz="1800" dirty="0">
+                <a:effectLst/>
+                <a:latin typeface="Times New Roman" panose="02020603050405020304" pitchFamily="18" charset="0"/>
+                <a:ea typeface="Times New Roman" panose="02020603050405020304" pitchFamily="18" charset="0"/>
+                <a:cs typeface="Times New Roman" panose="02020603050405020304" pitchFamily="18" charset="0"/>
+              </a:rPr>
+              <a:t> The centralized platform potentially reduces operational costs associated with managing individual stores, such as staffing requirements and maintaining separate inventory systems.</a:t>
+            </a:r>
+            <a:endParaRPr lang="en-IN" sz="1800" dirty="0">
+              <a:effectLst/>
+              <a:latin typeface="Calibri" panose="020F0502020204030204" pitchFamily="34" charset="0"/>
+              <a:ea typeface="Calibri" panose="020F0502020204030204" pitchFamily="34" charset="0"/>
+              <a:cs typeface="Times New Roman" panose="02020603050405020304" pitchFamily="18" charset="0"/>
+            </a:endParaRPr>
+          </a:p>
           <a:p>
             <a:endParaRPr lang="en-IN" dirty="0"/>
           </a:p>
@@ -4065,31 +5287,35 @@
           </a:p>
         </p:txBody>
       </p:sp>
-      <p:sp>
-        <p:nvSpPr>
-          <p:cNvPr id="3" name="Content Placeholder 2">
-            <a:extLst>
-              <a:ext uri="{FF2B5EF4-FFF2-40B4-BE49-F238E27FC236}">
-                <a16:creationId xmlns:a16="http://schemas.microsoft.com/office/drawing/2014/main" id="{D0BCB3EB-89E0-9096-7A56-5BB5BF1056FF}"/>
-              </a:ext>
-            </a:extLst>
-          </p:cNvPr>
-          <p:cNvSpPr>
-            <a:spLocks noGrp="1"/>
-          </p:cNvSpPr>
+      <p:pic>
+        <p:nvPicPr>
+          <p:cNvPr id="5" name="Content Placeholder 4">
+            <a:extLst>
+              <a:ext uri="{FF2B5EF4-FFF2-40B4-BE49-F238E27FC236}">
+                <a16:creationId xmlns:a16="http://schemas.microsoft.com/office/drawing/2014/main" id="{0459572D-16DA-A9CD-B338-91FF357C3DA2}"/>
+              </a:ext>
+            </a:extLst>
+          </p:cNvPr>
+          <p:cNvPicPr>
+            <a:picLocks noGrp="1" noChangeAspect="1"/>
+          </p:cNvPicPr>
           <p:nvPr>
             <p:ph idx="1"/>
           </p:nvPr>
-        </p:nvSpPr>
-        <p:spPr/>
-        <p:txBody>
-          <a:bodyPr/>
-          <a:lstStyle/>
-          <a:p>
-            <a:endParaRPr lang="en-IN"/>
-          </a:p>
-        </p:txBody>
-      </p:sp>
+        </p:nvPicPr>
+        <p:blipFill>
+          <a:blip r:embed="rId2"/>
+          <a:stretch>
+            <a:fillRect/>
+          </a:stretch>
+        </p:blipFill>
+        <p:spPr>
+          <a:xfrm>
+            <a:off x="911343" y="1625374"/>
+            <a:ext cx="5759991" cy="4351338"/>
+          </a:xfrm>
+        </p:spPr>
+      </p:pic>
     </p:spTree>
     <p:extLst>
       <p:ext uri="{BB962C8B-B14F-4D97-AF65-F5344CB8AC3E}">
@@ -4125,7 +5351,7 @@
           <p:cNvPr id="2" name="Title 1">
             <a:extLst>
               <a:ext uri="{FF2B5EF4-FFF2-40B4-BE49-F238E27FC236}">
-                <a16:creationId xmlns:a16="http://schemas.microsoft.com/office/drawing/2014/main" id="{69175704-880F-EB03-98E3-E19DB510B0FF}"/>
+                <a16:creationId xmlns:a16="http://schemas.microsoft.com/office/drawing/2014/main" id="{F51454CA-12E3-F76F-1710-18B93EF7B4F4}"/>
               </a:ext>
             </a:extLst>
           </p:cNvPr>
@@ -4142,28 +5368,298 @@
           <a:lstStyle/>
           <a:p>
             <a:r>
-              <a:rPr lang="en-IN" dirty="0">
-                <a:solidFill>
-                  <a:schemeClr val="accent1"/>
-                </a:solidFill>
-              </a:rPr>
-              <a:t>LIMITATIONS AND DRAWBACKS</a:t>
-            </a:r>
-            <a:br>
-              <a:rPr lang="en-IN" dirty="0">
-                <a:solidFill>
-                  <a:schemeClr val="accent1"/>
-                </a:solidFill>
-              </a:rPr>
-            </a:br>
-            <a:endParaRPr lang="en-IN" dirty="0"/>
+              <a:rPr lang="en-IN" dirty="0"/>
+              <a:t>FUTURE ENHANCEMENT</a:t>
+            </a:r>
+          </a:p>
+        </p:txBody>
+      </p:sp>
+      <p:sp>
+        <p:nvSpPr>
+          <p:cNvPr id="5" name="TextBox 4">
+            <a:extLst>
+              <a:ext uri="{FF2B5EF4-FFF2-40B4-BE49-F238E27FC236}">
+                <a16:creationId xmlns:a16="http://schemas.microsoft.com/office/drawing/2014/main" id="{14FC23F7-18B1-3A9E-0755-29D1E021E6DE}"/>
+              </a:ext>
+            </a:extLst>
+          </p:cNvPr>
+          <p:cNvSpPr txBox="1"/>
+          <p:nvPr/>
+        </p:nvSpPr>
+        <p:spPr>
+          <a:xfrm>
+            <a:off x="838200" y="1548883"/>
+            <a:ext cx="8308132" cy="4523161"/>
+          </a:xfrm>
+          <a:prstGeom prst="rect">
+            <a:avLst/>
+          </a:prstGeom>
+          <a:noFill/>
+        </p:spPr>
+        <p:txBody>
+          <a:bodyPr wrap="square">
+            <a:spAutoFit/>
+          </a:bodyPr>
+          <a:lstStyle/>
+          <a:p>
+            <a:pPr marL="342900" lvl="0" indent="-342900">
+              <a:lnSpc>
+                <a:spcPct val="107000"/>
+              </a:lnSpc>
+              <a:buSzPts val="1000"/>
+              <a:buFont typeface="Symbol" panose="05050102010706020507" pitchFamily="18" charset="2"/>
+              <a:buChar char=""/>
+              <a:tabLst>
+                <a:tab pos="457200" algn="l"/>
+              </a:tabLst>
+            </a:pPr>
+            <a:r>
+              <a:rPr lang="en-IN" sz="1800" b="1" dirty="0">
+                <a:effectLst/>
+                <a:latin typeface="Times New Roman" panose="02020603050405020304" pitchFamily="18" charset="0"/>
+                <a:ea typeface="Times New Roman" panose="02020603050405020304" pitchFamily="18" charset="0"/>
+                <a:cs typeface="Times New Roman" panose="02020603050405020304" pitchFamily="18" charset="0"/>
+              </a:rPr>
+              <a:t>Chatbots and Virtual Assistants:</a:t>
+            </a:r>
+            <a:r>
+              <a:rPr lang="en-IN" sz="1800" dirty="0">
+                <a:effectLst/>
+                <a:latin typeface="Times New Roman" panose="02020603050405020304" pitchFamily="18" charset="0"/>
+                <a:ea typeface="Times New Roman" panose="02020603050405020304" pitchFamily="18" charset="0"/>
+                <a:cs typeface="Times New Roman" panose="02020603050405020304" pitchFamily="18" charset="0"/>
+              </a:rPr>
+              <a:t> Introduce chatbots or virtual assistants to provide real-time customer support and answer frequently asked questions. </a:t>
+            </a:r>
+            <a:endParaRPr lang="en-IN" sz="1400" dirty="0">
+              <a:effectLst/>
+              <a:latin typeface="Calibri" panose="020F0502020204030204" pitchFamily="34" charset="0"/>
+              <a:ea typeface="Calibri" panose="020F0502020204030204" pitchFamily="34" charset="0"/>
+              <a:cs typeface="Times New Roman" panose="02020603050405020304" pitchFamily="18" charset="0"/>
+            </a:endParaRPr>
+          </a:p>
+          <a:p>
+            <a:pPr marL="457200">
+              <a:lnSpc>
+                <a:spcPct val="107000"/>
+              </a:lnSpc>
+            </a:pPr>
+            <a:r>
+              <a:rPr lang="en-IN" sz="1800" dirty="0">
+                <a:effectLst/>
+                <a:latin typeface="Times New Roman" panose="02020603050405020304" pitchFamily="18" charset="0"/>
+                <a:ea typeface="Times New Roman" panose="02020603050405020304" pitchFamily="18" charset="0"/>
+                <a:cs typeface="Times New Roman" panose="02020603050405020304" pitchFamily="18" charset="0"/>
+              </a:rPr>
+              <a:t> </a:t>
+            </a:r>
+            <a:endParaRPr lang="en-IN" sz="1400" dirty="0">
+              <a:effectLst/>
+              <a:latin typeface="Calibri" panose="020F0502020204030204" pitchFamily="34" charset="0"/>
+              <a:ea typeface="Calibri" panose="020F0502020204030204" pitchFamily="34" charset="0"/>
+              <a:cs typeface="Times New Roman" panose="02020603050405020304" pitchFamily="18" charset="0"/>
+            </a:endParaRPr>
+          </a:p>
+          <a:p>
+            <a:pPr marL="342900" lvl="0" indent="-342900">
+              <a:lnSpc>
+                <a:spcPct val="107000"/>
+              </a:lnSpc>
+              <a:buSzPts val="1000"/>
+              <a:buFont typeface="Symbol" panose="05050102010706020507" pitchFamily="18" charset="2"/>
+              <a:buChar char=""/>
+              <a:tabLst>
+                <a:tab pos="457200" algn="l"/>
+              </a:tabLst>
+            </a:pPr>
+            <a:r>
+              <a:rPr lang="en-IN" sz="1800" b="1" dirty="0">
+                <a:effectLst/>
+                <a:latin typeface="Times New Roman" panose="02020603050405020304" pitchFamily="18" charset="0"/>
+                <a:ea typeface="Times New Roman" panose="02020603050405020304" pitchFamily="18" charset="0"/>
+                <a:cs typeface="Times New Roman" panose="02020603050405020304" pitchFamily="18" charset="0"/>
+              </a:rPr>
+              <a:t>Data Analytics and Business Intelligence:</a:t>
+            </a:r>
+            <a:r>
+              <a:rPr lang="en-IN" sz="1800" dirty="0">
+                <a:effectLst/>
+                <a:latin typeface="Times New Roman" panose="02020603050405020304" pitchFamily="18" charset="0"/>
+                <a:ea typeface="Times New Roman" panose="02020603050405020304" pitchFamily="18" charset="0"/>
+                <a:cs typeface="Times New Roman" panose="02020603050405020304" pitchFamily="18" charset="0"/>
+              </a:rPr>
+              <a:t> Develop comprehensive data analytics dashboards to provide valuable insights into customer behaviour, product performance, and overall platform health.</a:t>
+            </a:r>
+            <a:endParaRPr lang="en-IN" sz="1400" dirty="0">
+              <a:effectLst/>
+              <a:latin typeface="Calibri" panose="020F0502020204030204" pitchFamily="34" charset="0"/>
+              <a:ea typeface="Calibri" panose="020F0502020204030204" pitchFamily="34" charset="0"/>
+              <a:cs typeface="Times New Roman" panose="02020603050405020304" pitchFamily="18" charset="0"/>
+            </a:endParaRPr>
+          </a:p>
+          <a:p>
+            <a:pPr marL="457200">
+              <a:lnSpc>
+                <a:spcPct val="107000"/>
+              </a:lnSpc>
+            </a:pPr>
+            <a:r>
+              <a:rPr lang="en-IN" sz="1800" dirty="0">
+                <a:effectLst/>
+                <a:latin typeface="Times New Roman" panose="02020603050405020304" pitchFamily="18" charset="0"/>
+                <a:ea typeface="Times New Roman" panose="02020603050405020304" pitchFamily="18" charset="0"/>
+                <a:cs typeface="Times New Roman" panose="02020603050405020304" pitchFamily="18" charset="0"/>
+              </a:rPr>
+              <a:t> </a:t>
+            </a:r>
+            <a:endParaRPr lang="en-IN" sz="1400" dirty="0">
+              <a:effectLst/>
+              <a:latin typeface="Calibri" panose="020F0502020204030204" pitchFamily="34" charset="0"/>
+              <a:ea typeface="Calibri" panose="020F0502020204030204" pitchFamily="34" charset="0"/>
+              <a:cs typeface="Times New Roman" panose="02020603050405020304" pitchFamily="18" charset="0"/>
+            </a:endParaRPr>
+          </a:p>
+          <a:p>
+            <a:pPr marL="342900" lvl="0" indent="-342900">
+              <a:lnSpc>
+                <a:spcPct val="107000"/>
+              </a:lnSpc>
+              <a:buSzPts val="1000"/>
+              <a:buFont typeface="Symbol" panose="05050102010706020507" pitchFamily="18" charset="2"/>
+              <a:buChar char=""/>
+              <a:tabLst>
+                <a:tab pos="457200" algn="l"/>
+              </a:tabLst>
+            </a:pPr>
+            <a:r>
+              <a:rPr lang="en-IN" sz="1800" b="1" dirty="0">
+                <a:effectLst/>
+                <a:latin typeface="Times New Roman" panose="02020603050405020304" pitchFamily="18" charset="0"/>
+                <a:ea typeface="Times New Roman" panose="02020603050405020304" pitchFamily="18" charset="0"/>
+                <a:cs typeface="Times New Roman" panose="02020603050405020304" pitchFamily="18" charset="0"/>
+              </a:rPr>
+              <a:t>Advanced Security Features:</a:t>
+            </a:r>
+            <a:r>
+              <a:rPr lang="en-IN" sz="1800" dirty="0">
+                <a:effectLst/>
+                <a:latin typeface="Times New Roman" panose="02020603050405020304" pitchFamily="18" charset="0"/>
+                <a:ea typeface="Times New Roman" panose="02020603050405020304" pitchFamily="18" charset="0"/>
+                <a:cs typeface="Times New Roman" panose="02020603050405020304" pitchFamily="18" charset="0"/>
+              </a:rPr>
+              <a:t> Implement two-factor authentication, multi-level user access control, and fraud detection systems to further strengthen platform security.</a:t>
+            </a:r>
+            <a:endParaRPr lang="en-IN" sz="1400" dirty="0">
+              <a:effectLst/>
+              <a:latin typeface="Calibri" panose="020F0502020204030204" pitchFamily="34" charset="0"/>
+              <a:ea typeface="Calibri" panose="020F0502020204030204" pitchFamily="34" charset="0"/>
+              <a:cs typeface="Times New Roman" panose="02020603050405020304" pitchFamily="18" charset="0"/>
+            </a:endParaRPr>
+          </a:p>
+          <a:p>
+            <a:pPr marL="457200">
+              <a:lnSpc>
+                <a:spcPct val="107000"/>
+              </a:lnSpc>
+            </a:pPr>
+            <a:r>
+              <a:rPr lang="en-IN" sz="1800" dirty="0">
+                <a:effectLst/>
+                <a:latin typeface="Times New Roman" panose="02020603050405020304" pitchFamily="18" charset="0"/>
+                <a:ea typeface="Times New Roman" panose="02020603050405020304" pitchFamily="18" charset="0"/>
+                <a:cs typeface="Times New Roman" panose="02020603050405020304" pitchFamily="18" charset="0"/>
+              </a:rPr>
+              <a:t> </a:t>
+            </a:r>
+            <a:endParaRPr lang="en-IN" sz="1400" dirty="0">
+              <a:effectLst/>
+              <a:latin typeface="Calibri" panose="020F0502020204030204" pitchFamily="34" charset="0"/>
+              <a:ea typeface="Calibri" panose="020F0502020204030204" pitchFamily="34" charset="0"/>
+              <a:cs typeface="Times New Roman" panose="02020603050405020304" pitchFamily="18" charset="0"/>
+            </a:endParaRPr>
+          </a:p>
+          <a:p>
+            <a:pPr marL="342900" lvl="0" indent="-342900">
+              <a:lnSpc>
+                <a:spcPct val="107000"/>
+              </a:lnSpc>
+              <a:spcAft>
+                <a:spcPts val="800"/>
+              </a:spcAft>
+              <a:buSzPts val="1000"/>
+              <a:buFont typeface="Symbol" panose="05050102010706020507" pitchFamily="18" charset="2"/>
+              <a:buChar char=""/>
+              <a:tabLst>
+                <a:tab pos="457200" algn="l"/>
+              </a:tabLst>
+            </a:pPr>
+            <a:r>
+              <a:rPr lang="en-IN" sz="1800" b="1" dirty="0">
+                <a:effectLst/>
+                <a:latin typeface="Times New Roman" panose="02020603050405020304" pitchFamily="18" charset="0"/>
+                <a:ea typeface="Times New Roman" panose="02020603050405020304" pitchFamily="18" charset="0"/>
+                <a:cs typeface="Times New Roman" panose="02020603050405020304" pitchFamily="18" charset="0"/>
+              </a:rPr>
+              <a:t>Hybrid Delivery Model:</a:t>
+            </a:r>
+            <a:r>
+              <a:rPr lang="en-IN" sz="1800" dirty="0">
+                <a:effectLst/>
+                <a:latin typeface="Times New Roman" panose="02020603050405020304" pitchFamily="18" charset="0"/>
+                <a:ea typeface="Times New Roman" panose="02020603050405020304" pitchFamily="18" charset="0"/>
+                <a:cs typeface="Times New Roman" panose="02020603050405020304" pitchFamily="18" charset="0"/>
+              </a:rPr>
+              <a:t> </a:t>
+            </a:r>
+            <a:r>
+              <a:rPr lang="en-IN" sz="1800" dirty="0" err="1">
+                <a:effectLst/>
+                <a:latin typeface="Times New Roman" panose="02020603050405020304" pitchFamily="18" charset="0"/>
+                <a:ea typeface="Times New Roman" panose="02020603050405020304" pitchFamily="18" charset="0"/>
+                <a:cs typeface="Times New Roman" panose="02020603050405020304" pitchFamily="18" charset="0"/>
+              </a:rPr>
+              <a:t>GetiT</a:t>
+            </a:r>
+            <a:r>
+              <a:rPr lang="en-IN" sz="1800" dirty="0">
+                <a:effectLst/>
+                <a:latin typeface="Times New Roman" panose="02020603050405020304" pitchFamily="18" charset="0"/>
+                <a:ea typeface="Times New Roman" panose="02020603050405020304" pitchFamily="18" charset="0"/>
+                <a:cs typeface="Times New Roman" panose="02020603050405020304" pitchFamily="18" charset="0"/>
+              </a:rPr>
+              <a:t> could implement a hybrid approach, utilizing </a:t>
+            </a:r>
+            <a:r>
+              <a:rPr lang="en-IN" sz="1800" dirty="0" err="1">
+                <a:effectLst/>
+                <a:latin typeface="Times New Roman" panose="02020603050405020304" pitchFamily="18" charset="0"/>
+                <a:ea typeface="Times New Roman" panose="02020603050405020304" pitchFamily="18" charset="0"/>
+                <a:cs typeface="Times New Roman" panose="02020603050405020304" pitchFamily="18" charset="0"/>
+              </a:rPr>
+              <a:t>Ekart</a:t>
+            </a:r>
+            <a:r>
+              <a:rPr lang="en-IN" sz="1800" dirty="0">
+                <a:effectLst/>
+                <a:latin typeface="Times New Roman" panose="02020603050405020304" pitchFamily="18" charset="0"/>
+                <a:ea typeface="Times New Roman" panose="02020603050405020304" pitchFamily="18" charset="0"/>
+                <a:cs typeface="Times New Roman" panose="02020603050405020304" pitchFamily="18" charset="0"/>
+              </a:rPr>
+              <a:t> or other 3PL providers for national deliveries while offering in-house delivery options within Mumbai. This allows for wider reach while maintaining control over local deliveries for a potentially smoother customer experience</a:t>
+            </a:r>
+            <a:endParaRPr lang="en-IN" sz="1400" dirty="0">
+              <a:effectLst/>
+              <a:latin typeface="Calibri" panose="020F0502020204030204" pitchFamily="34" charset="0"/>
+              <a:ea typeface="Calibri" panose="020F0502020204030204" pitchFamily="34" charset="0"/>
+              <a:cs typeface="Times New Roman" panose="02020603050405020304" pitchFamily="18" charset="0"/>
+            </a:endParaRPr>
           </a:p>
         </p:txBody>
       </p:sp>
     </p:spTree>
     <p:extLst>
       <p:ext uri="{BB962C8B-B14F-4D97-AF65-F5344CB8AC3E}">
-        <p14:creationId xmlns:p14="http://schemas.microsoft.com/office/powerpoint/2010/main" val="2472860347"/>
+        <p14:creationId xmlns:p14="http://schemas.microsoft.com/office/powerpoint/2010/main" val="1745733270"/>
       </p:ext>
     </p:extLst>
   </p:cSld>
@@ -4195,7 +5691,7 @@
           <p:cNvPr id="2" name="Title 1">
             <a:extLst>
               <a:ext uri="{FF2B5EF4-FFF2-40B4-BE49-F238E27FC236}">
-                <a16:creationId xmlns:a16="http://schemas.microsoft.com/office/drawing/2014/main" id="{F51454CA-12E3-F76F-1710-18B93EF7B4F4}"/>
+                <a16:creationId xmlns:a16="http://schemas.microsoft.com/office/drawing/2014/main" id="{69175704-880F-EB03-98E3-E19DB510B0FF}"/>
               </a:ext>
             </a:extLst>
           </p:cNvPr>
@@ -4212,41 +5708,282 @@
           <a:lstStyle/>
           <a:p>
             <a:r>
-              <a:rPr lang="en-IN" dirty="0"/>
-              <a:t>FUTURE ENHANCEMENT</a:t>
-            </a:r>
-          </a:p>
-        </p:txBody>
-      </p:sp>
-      <p:sp>
-        <p:nvSpPr>
-          <p:cNvPr id="3" name="Content Placeholder 2">
-            <a:extLst>
-              <a:ext uri="{FF2B5EF4-FFF2-40B4-BE49-F238E27FC236}">
-                <a16:creationId xmlns:a16="http://schemas.microsoft.com/office/drawing/2014/main" id="{62447C3E-59AE-C7EA-89A8-5965A991298F}"/>
-              </a:ext>
-            </a:extLst>
-          </p:cNvPr>
-          <p:cNvSpPr>
-            <a:spLocks noGrp="1"/>
-          </p:cNvSpPr>
-          <p:nvPr>
-            <p:ph idx="1"/>
-          </p:nvPr>
-        </p:nvSpPr>
-        <p:spPr/>
-        <p:txBody>
-          <a:bodyPr/>
-          <a:lstStyle/>
-          <a:p>
-            <a:endParaRPr lang="en-IN"/>
+              <a:rPr lang="en-IN" dirty="0">
+                <a:solidFill>
+                  <a:schemeClr val="accent1"/>
+                </a:solidFill>
+              </a:rPr>
+              <a:t>LIMITATIONS AND DRAWBACKS</a:t>
+            </a:r>
+            <a:br>
+              <a:rPr lang="en-IN" dirty="0">
+                <a:solidFill>
+                  <a:schemeClr val="accent1"/>
+                </a:solidFill>
+              </a:rPr>
+            </a:br>
+            <a:endParaRPr lang="en-IN" dirty="0"/>
+          </a:p>
+        </p:txBody>
+      </p:sp>
+      <p:sp>
+        <p:nvSpPr>
+          <p:cNvPr id="6" name="TextBox 5">
+            <a:extLst>
+              <a:ext uri="{FF2B5EF4-FFF2-40B4-BE49-F238E27FC236}">
+                <a16:creationId xmlns:a16="http://schemas.microsoft.com/office/drawing/2014/main" id="{D53CF404-E729-A5F4-E39F-34A5893DC051}"/>
+              </a:ext>
+            </a:extLst>
+          </p:cNvPr>
+          <p:cNvSpPr txBox="1"/>
+          <p:nvPr/>
+        </p:nvSpPr>
+        <p:spPr>
+          <a:xfrm>
+            <a:off x="838200" y="1394633"/>
+            <a:ext cx="6097554" cy="4665893"/>
+          </a:xfrm>
+          <a:prstGeom prst="rect">
+            <a:avLst/>
+          </a:prstGeom>
+          <a:noFill/>
+        </p:spPr>
+        <p:txBody>
+          <a:bodyPr wrap="square">
+            <a:spAutoFit/>
+          </a:bodyPr>
+          <a:lstStyle/>
+          <a:p>
+            <a:pPr marL="342900" lvl="0" indent="-342900">
+              <a:lnSpc>
+                <a:spcPct val="107000"/>
+              </a:lnSpc>
+              <a:buFont typeface="Symbol" panose="05050102010706020507" pitchFamily="18" charset="2"/>
+              <a:buChar char=""/>
+            </a:pPr>
+            <a:r>
+              <a:rPr lang="en-IN" sz="1400" b="1" dirty="0">
+                <a:effectLst/>
+                <a:latin typeface="Times New Roman" panose="02020603050405020304" pitchFamily="18" charset="0"/>
+                <a:ea typeface="Times New Roman" panose="02020603050405020304" pitchFamily="18" charset="0"/>
+                <a:cs typeface="Times New Roman" panose="02020603050405020304" pitchFamily="18" charset="0"/>
+              </a:rPr>
+              <a:t>Limited Delivery Reach:</a:t>
+            </a:r>
+            <a:r>
+              <a:rPr lang="en-IN" sz="1400" dirty="0">
+                <a:effectLst/>
+                <a:latin typeface="Times New Roman" panose="02020603050405020304" pitchFamily="18" charset="0"/>
+                <a:ea typeface="Times New Roman" panose="02020603050405020304" pitchFamily="18" charset="0"/>
+                <a:cs typeface="Times New Roman" panose="02020603050405020304" pitchFamily="18" charset="0"/>
+              </a:rPr>
+              <a:t> Currently, the </a:t>
+            </a:r>
+            <a:r>
+              <a:rPr lang="en-IN" sz="1400" dirty="0" err="1">
+                <a:effectLst/>
+                <a:latin typeface="Times New Roman" panose="02020603050405020304" pitchFamily="18" charset="0"/>
+                <a:ea typeface="Times New Roman" panose="02020603050405020304" pitchFamily="18" charset="0"/>
+                <a:cs typeface="Times New Roman" panose="02020603050405020304" pitchFamily="18" charset="0"/>
+              </a:rPr>
+              <a:t>GetiT</a:t>
+            </a:r>
+            <a:r>
+              <a:rPr lang="en-IN" sz="1400" dirty="0">
+                <a:effectLst/>
+                <a:latin typeface="Times New Roman" panose="02020603050405020304" pitchFamily="18" charset="0"/>
+                <a:ea typeface="Times New Roman" panose="02020603050405020304" pitchFamily="18" charset="0"/>
+                <a:cs typeface="Times New Roman" panose="02020603050405020304" pitchFamily="18" charset="0"/>
+              </a:rPr>
+              <a:t> platform lacks a dedicated delivery system, restricting door-to-door deliveries to within Mumbai city limits. This significantly hinders the platform's potential to reach customers outside Mumbai, limiting market expansion and sales opportunities.</a:t>
+            </a:r>
+            <a:endParaRPr lang="en-IN" sz="1100" dirty="0">
+              <a:effectLst/>
+              <a:latin typeface="Calibri" panose="020F0502020204030204" pitchFamily="34" charset="0"/>
+              <a:ea typeface="Calibri" panose="020F0502020204030204" pitchFamily="34" charset="0"/>
+              <a:cs typeface="Times New Roman" panose="02020603050405020304" pitchFamily="18" charset="0"/>
+            </a:endParaRPr>
+          </a:p>
+          <a:p>
+            <a:pPr marL="457200">
+              <a:lnSpc>
+                <a:spcPct val="107000"/>
+              </a:lnSpc>
+            </a:pPr>
+            <a:r>
+              <a:rPr lang="en-IN" sz="1400" dirty="0">
+                <a:effectLst/>
+                <a:latin typeface="Times New Roman" panose="02020603050405020304" pitchFamily="18" charset="0"/>
+                <a:ea typeface="Times New Roman" panose="02020603050405020304" pitchFamily="18" charset="0"/>
+                <a:cs typeface="Times New Roman" panose="02020603050405020304" pitchFamily="18" charset="0"/>
+              </a:rPr>
+              <a:t> </a:t>
+            </a:r>
+            <a:endParaRPr lang="en-IN" sz="1100" dirty="0">
+              <a:effectLst/>
+              <a:latin typeface="Calibri" panose="020F0502020204030204" pitchFamily="34" charset="0"/>
+              <a:ea typeface="Calibri" panose="020F0502020204030204" pitchFamily="34" charset="0"/>
+              <a:cs typeface="Times New Roman" panose="02020603050405020304" pitchFamily="18" charset="0"/>
+            </a:endParaRPr>
+          </a:p>
+          <a:p>
+            <a:pPr marL="342900" lvl="0" indent="-342900">
+              <a:lnSpc>
+                <a:spcPct val="107000"/>
+              </a:lnSpc>
+              <a:spcAft>
+                <a:spcPts val="800"/>
+              </a:spcAft>
+              <a:buFont typeface="Symbol" panose="05050102010706020507" pitchFamily="18" charset="2"/>
+              <a:buChar char=""/>
+            </a:pPr>
+            <a:r>
+              <a:rPr lang="en-IN" sz="1400" b="1" dirty="0">
+                <a:effectLst/>
+                <a:latin typeface="Times New Roman" panose="02020603050405020304" pitchFamily="18" charset="0"/>
+                <a:ea typeface="Times New Roman" panose="02020603050405020304" pitchFamily="18" charset="0"/>
+                <a:cs typeface="Times New Roman" panose="02020603050405020304" pitchFamily="18" charset="0"/>
+              </a:rPr>
+              <a:t>Scalability:</a:t>
+            </a:r>
+            <a:r>
+              <a:rPr lang="en-IN" sz="1400" dirty="0">
+                <a:effectLst/>
+                <a:latin typeface="Times New Roman" panose="02020603050405020304" pitchFamily="18" charset="0"/>
+                <a:ea typeface="Times New Roman" panose="02020603050405020304" pitchFamily="18" charset="0"/>
+                <a:cs typeface="Times New Roman" panose="02020603050405020304" pitchFamily="18" charset="0"/>
+              </a:rPr>
+              <a:t> As the user base and product offerings grow, the MERN stack might require scaling considerations. Database optimization, server upgrades, or distributed systems might be necessary to handle increased traffic and data volume. </a:t>
+            </a:r>
+            <a:endParaRPr lang="en-IN" sz="1100" dirty="0">
+              <a:effectLst/>
+              <a:latin typeface="Calibri" panose="020F0502020204030204" pitchFamily="34" charset="0"/>
+              <a:ea typeface="Calibri" panose="020F0502020204030204" pitchFamily="34" charset="0"/>
+              <a:cs typeface="Times New Roman" panose="02020603050405020304" pitchFamily="18" charset="0"/>
+            </a:endParaRPr>
+          </a:p>
+          <a:p>
+            <a:pPr>
+              <a:lnSpc>
+                <a:spcPct val="107000"/>
+              </a:lnSpc>
+              <a:spcAft>
+                <a:spcPts val="800"/>
+              </a:spcAft>
+            </a:pPr>
+            <a:r>
+              <a:rPr lang="en-IN" sz="1400" dirty="0">
+                <a:effectLst/>
+                <a:latin typeface="Times New Roman" panose="02020603050405020304" pitchFamily="18" charset="0"/>
+                <a:ea typeface="Times New Roman" panose="02020603050405020304" pitchFamily="18" charset="0"/>
+                <a:cs typeface="Times New Roman" panose="02020603050405020304" pitchFamily="18" charset="0"/>
+              </a:rPr>
+              <a:t> </a:t>
+            </a:r>
+            <a:endParaRPr lang="en-IN" sz="1100" dirty="0">
+              <a:effectLst/>
+              <a:latin typeface="Calibri" panose="020F0502020204030204" pitchFamily="34" charset="0"/>
+              <a:ea typeface="Calibri" panose="020F0502020204030204" pitchFamily="34" charset="0"/>
+              <a:cs typeface="Times New Roman" panose="02020603050405020304" pitchFamily="18" charset="0"/>
+            </a:endParaRPr>
+          </a:p>
+          <a:p>
+            <a:pPr marL="342900" lvl="0" indent="-342900">
+              <a:lnSpc>
+                <a:spcPct val="107000"/>
+              </a:lnSpc>
+              <a:buFont typeface="Symbol" panose="05050102010706020507" pitchFamily="18" charset="2"/>
+              <a:buChar char=""/>
+            </a:pPr>
+            <a:r>
+              <a:rPr lang="en-IN" sz="1400" b="1" dirty="0">
+                <a:effectLst/>
+                <a:latin typeface="Times New Roman" panose="02020603050405020304" pitchFamily="18" charset="0"/>
+                <a:ea typeface="Times New Roman" panose="02020603050405020304" pitchFamily="18" charset="0"/>
+                <a:cs typeface="Times New Roman" panose="02020603050405020304" pitchFamily="18" charset="0"/>
+              </a:rPr>
+              <a:t>Security Concerns:</a:t>
+            </a:r>
+            <a:r>
+              <a:rPr lang="en-IN" sz="1400" dirty="0">
+                <a:effectLst/>
+                <a:latin typeface="Times New Roman" panose="02020603050405020304" pitchFamily="18" charset="0"/>
+                <a:ea typeface="Times New Roman" panose="02020603050405020304" pitchFamily="18" charset="0"/>
+                <a:cs typeface="Times New Roman" panose="02020603050405020304" pitchFamily="18" charset="0"/>
+              </a:rPr>
+              <a:t> Maintaining a secure platform requires ongoing vigilance. Vulnerabilities in user authentication, payment processing, or data storage can lead to security breaches and compromise customer information. Constant security updates and best practices are crucial.</a:t>
+            </a:r>
+            <a:endParaRPr lang="en-IN" sz="1100" dirty="0">
+              <a:effectLst/>
+              <a:latin typeface="Calibri" panose="020F0502020204030204" pitchFamily="34" charset="0"/>
+              <a:ea typeface="Calibri" panose="020F0502020204030204" pitchFamily="34" charset="0"/>
+              <a:cs typeface="Times New Roman" panose="02020603050405020304" pitchFamily="18" charset="0"/>
+            </a:endParaRPr>
+          </a:p>
+          <a:p>
+            <a:pPr marL="457200">
+              <a:lnSpc>
+                <a:spcPct val="107000"/>
+              </a:lnSpc>
+            </a:pPr>
+            <a:r>
+              <a:rPr lang="en-IN" sz="1400" dirty="0">
+                <a:effectLst/>
+                <a:latin typeface="Times New Roman" panose="02020603050405020304" pitchFamily="18" charset="0"/>
+                <a:ea typeface="Times New Roman" panose="02020603050405020304" pitchFamily="18" charset="0"/>
+                <a:cs typeface="Times New Roman" panose="02020603050405020304" pitchFamily="18" charset="0"/>
+              </a:rPr>
+              <a:t> </a:t>
+            </a:r>
+            <a:endParaRPr lang="en-IN" sz="1100" dirty="0">
+              <a:effectLst/>
+              <a:latin typeface="Calibri" panose="020F0502020204030204" pitchFamily="34" charset="0"/>
+              <a:ea typeface="Calibri" panose="020F0502020204030204" pitchFamily="34" charset="0"/>
+              <a:cs typeface="Times New Roman" panose="02020603050405020304" pitchFamily="18" charset="0"/>
+            </a:endParaRPr>
+          </a:p>
+          <a:p>
+            <a:pPr marL="342900" lvl="0" indent="-342900">
+              <a:lnSpc>
+                <a:spcPct val="107000"/>
+              </a:lnSpc>
+              <a:spcAft>
+                <a:spcPts val="800"/>
+              </a:spcAft>
+              <a:buFont typeface="Symbol" panose="05050102010706020507" pitchFamily="18" charset="2"/>
+              <a:buChar char=""/>
+            </a:pPr>
+            <a:r>
+              <a:rPr lang="en-IN" sz="1400" b="1" dirty="0">
+                <a:effectLst/>
+                <a:latin typeface="Times New Roman" panose="02020603050405020304" pitchFamily="18" charset="0"/>
+                <a:ea typeface="Times New Roman" panose="02020603050405020304" pitchFamily="18" charset="0"/>
+                <a:cs typeface="Times New Roman" panose="02020603050405020304" pitchFamily="18" charset="0"/>
+              </a:rPr>
+              <a:t>Limited Offline Functionality:</a:t>
+            </a:r>
+            <a:r>
+              <a:rPr lang="en-IN" sz="1400" dirty="0">
+                <a:effectLst/>
+                <a:latin typeface="Times New Roman" panose="02020603050405020304" pitchFamily="18" charset="0"/>
+                <a:ea typeface="Times New Roman" panose="02020603050405020304" pitchFamily="18" charset="0"/>
+                <a:cs typeface="Times New Roman" panose="02020603050405020304" pitchFamily="18" charset="0"/>
+              </a:rPr>
+              <a:t> The application primarily relies on an internet connection. Limited offline functionality for browsing products or managing orders might be a drawback for users in areas with unreliable internet access</a:t>
+            </a:r>
+            <a:endParaRPr lang="en-IN" sz="1100" dirty="0">
+              <a:effectLst/>
+              <a:latin typeface="Calibri" panose="020F0502020204030204" pitchFamily="34" charset="0"/>
+              <a:ea typeface="Calibri" panose="020F0502020204030204" pitchFamily="34" charset="0"/>
+              <a:cs typeface="Times New Roman" panose="02020603050405020304" pitchFamily="18" charset="0"/>
+            </a:endParaRPr>
           </a:p>
         </p:txBody>
       </p:sp>
     </p:spTree>
     <p:extLst>
       <p:ext uri="{BB962C8B-B14F-4D97-AF65-F5344CB8AC3E}">
-        <p14:creationId xmlns:p14="http://schemas.microsoft.com/office/powerpoint/2010/main" val="1745733270"/>
+        <p14:creationId xmlns:p14="http://schemas.microsoft.com/office/powerpoint/2010/main" val="2472860347"/>
       </p:ext>
     </p:extLst>
   </p:cSld>
